--- a/poster.pptx
+++ b/poster.pptx
@@ -209,7 +209,7 @@
           <a:p>
             <a:fld id="{66AD0D6B-84F8-0A45-ADC1-3C71FDF4AF14}" type="datetimeFigureOut">
               <a:rPr lang="en-JP" smtClean="0"/>
-              <a:t>10/22/25</a:t>
+              <a:t>10/23/2025</a:t>
             </a:fld>
             <a:endParaRPr lang="en-JP"/>
           </a:p>
@@ -708,7 +708,7 @@
           <a:p>
             <a:fld id="{AF7E2F6B-0750-4E43-A034-569B9AE50731}" type="datetimeFigureOut">
               <a:rPr lang="en-JP" smtClean="0"/>
-              <a:t>10/22/25</a:t>
+              <a:t>10/23/2025</a:t>
             </a:fld>
             <a:endParaRPr lang="en-JP"/>
           </a:p>
@@ -938,7 +938,7 @@
           <a:p>
             <a:fld id="{AF7E2F6B-0750-4E43-A034-569B9AE50731}" type="datetimeFigureOut">
               <a:rPr lang="en-JP" smtClean="0"/>
-              <a:t>10/22/25</a:t>
+              <a:t>10/23/2025</a:t>
             </a:fld>
             <a:endParaRPr lang="en-JP"/>
           </a:p>
@@ -1178,7 +1178,7 @@
           <a:p>
             <a:fld id="{AF7E2F6B-0750-4E43-A034-569B9AE50731}" type="datetimeFigureOut">
               <a:rPr lang="en-JP" smtClean="0"/>
-              <a:t>10/22/25</a:t>
+              <a:t>10/23/2025</a:t>
             </a:fld>
             <a:endParaRPr lang="en-JP"/>
           </a:p>
@@ -1408,7 +1408,7 @@
           <a:p>
             <a:fld id="{AF7E2F6B-0750-4E43-A034-569B9AE50731}" type="datetimeFigureOut">
               <a:rPr lang="en-JP" smtClean="0"/>
-              <a:t>10/22/25</a:t>
+              <a:t>10/23/2025</a:t>
             </a:fld>
             <a:endParaRPr lang="en-JP"/>
           </a:p>
@@ -1683,7 +1683,7 @@
           <a:p>
             <a:fld id="{AF7E2F6B-0750-4E43-A034-569B9AE50731}" type="datetimeFigureOut">
               <a:rPr lang="en-JP" smtClean="0"/>
-              <a:t>10/22/25</a:t>
+              <a:t>10/23/2025</a:t>
             </a:fld>
             <a:endParaRPr lang="en-JP"/>
           </a:p>
@@ -2012,7 +2012,7 @@
           <a:p>
             <a:fld id="{AF7E2F6B-0750-4E43-A034-569B9AE50731}" type="datetimeFigureOut">
               <a:rPr lang="en-JP" smtClean="0"/>
-              <a:t>10/22/25</a:t>
+              <a:t>10/23/2025</a:t>
             </a:fld>
             <a:endParaRPr lang="en-JP"/>
           </a:p>
@@ -2488,7 +2488,7 @@
           <a:p>
             <a:fld id="{AF7E2F6B-0750-4E43-A034-569B9AE50731}" type="datetimeFigureOut">
               <a:rPr lang="en-JP" smtClean="0"/>
-              <a:t>10/22/25</a:t>
+              <a:t>10/23/2025</a:t>
             </a:fld>
             <a:endParaRPr lang="en-JP"/>
           </a:p>
@@ -2629,7 +2629,7 @@
           <a:p>
             <a:fld id="{AF7E2F6B-0750-4E43-A034-569B9AE50731}" type="datetimeFigureOut">
               <a:rPr lang="en-JP" smtClean="0"/>
-              <a:t>10/22/25</a:t>
+              <a:t>10/23/2025</a:t>
             </a:fld>
             <a:endParaRPr lang="en-JP"/>
           </a:p>
@@ -2742,7 +2742,7 @@
           <a:p>
             <a:fld id="{AF7E2F6B-0750-4E43-A034-569B9AE50731}" type="datetimeFigureOut">
               <a:rPr lang="en-JP" smtClean="0"/>
-              <a:t>10/22/25</a:t>
+              <a:t>10/23/2025</a:t>
             </a:fld>
             <a:endParaRPr lang="en-JP"/>
           </a:p>
@@ -3085,7 +3085,7 @@
           <a:p>
             <a:fld id="{AF7E2F6B-0750-4E43-A034-569B9AE50731}" type="datetimeFigureOut">
               <a:rPr lang="en-JP" smtClean="0"/>
-              <a:t>10/22/25</a:t>
+              <a:t>10/23/2025</a:t>
             </a:fld>
             <a:endParaRPr lang="en-JP"/>
           </a:p>
@@ -3373,7 +3373,7 @@
           <a:p>
             <a:fld id="{AF7E2F6B-0750-4E43-A034-569B9AE50731}" type="datetimeFigureOut">
               <a:rPr lang="en-JP" smtClean="0"/>
-              <a:t>10/22/25</a:t>
+              <a:t>10/23/2025</a:t>
             </a:fld>
             <a:endParaRPr lang="en-JP"/>
           </a:p>
@@ -3646,7 +3646,7 @@
           <a:p>
             <a:fld id="{AF7E2F6B-0750-4E43-A034-569B9AE50731}" type="datetimeFigureOut">
               <a:rPr lang="en-JP" smtClean="0"/>
-              <a:t>10/22/25</a:t>
+              <a:t>10/23/2025</a:t>
             </a:fld>
             <a:endParaRPr lang="en-JP"/>
           </a:p>
@@ -28427,7 +28427,17 @@
                         <a:latin typeface="Meiryo" panose="020B0604030504040204" pitchFamily="34" charset="-128"/>
                         <a:ea typeface="Meiryo" panose="020B0604030504040204" pitchFamily="34" charset="-128"/>
                       </a:rPr>
-                      <m:t>血糖値の</m:t>
+                      <m:t>血糖値</m:t>
+                    </m:r>
+                    <m:r>
+                      <m:rPr>
+                        <m:nor/>
+                      </m:rPr>
+                      <a:rPr kumimoji="1" lang="ja-JP" altLang="en-US" sz="2400">
+                        <a:latin typeface="Meiryo" panose="020B0604030504040204" pitchFamily="34" charset="-128"/>
+                        <a:ea typeface="Meiryo" panose="020B0604030504040204" pitchFamily="34" charset="-128"/>
+                      </a:rPr>
+                      <m:t>の</m:t>
                     </m:r>
                     <m:r>
                       <m:rPr>
@@ -28464,7 +28474,27 @@
                         <a:latin typeface="Meiryo" panose="020B0604030504040204" pitchFamily="34" charset="-128"/>
                         <a:ea typeface="Meiryo" panose="020B0604030504040204" pitchFamily="34" charset="-128"/>
                       </a:rPr>
-                      <m:t>，血糖値の</m:t>
+                      <m:t>，</m:t>
+                    </m:r>
+                    <m:r>
+                      <m:rPr>
+                        <m:nor/>
+                      </m:rPr>
+                      <a:rPr kumimoji="1" lang="ja-JP" altLang="en-US" sz="2400">
+                        <a:latin typeface="Meiryo" panose="020B0604030504040204" pitchFamily="34" charset="-128"/>
+                        <a:ea typeface="Meiryo" panose="020B0604030504040204" pitchFamily="34" charset="-128"/>
+                      </a:rPr>
+                      <m:t>血糖値</m:t>
+                    </m:r>
+                    <m:r>
+                      <m:rPr>
+                        <m:nor/>
+                      </m:rPr>
+                      <a:rPr kumimoji="1" lang="ja-JP" altLang="en-US" sz="2400">
+                        <a:latin typeface="Meiryo" panose="020B0604030504040204" pitchFamily="34" charset="-128"/>
+                        <a:ea typeface="Meiryo" panose="020B0604030504040204" pitchFamily="34" charset="-128"/>
+                      </a:rPr>
+                      <m:t>の</m:t>
                     </m:r>
                     <m:r>
                       <m:rPr>
@@ -29387,7 +29417,13 @@
                             <a:rPr lang="en-US" sz="2800" b="0" i="1" smtClean="0">
                               <a:latin typeface="Cambria Math" panose="02040503050406030204" pitchFamily="18" charset="0"/>
                             </a:rPr>
-                            <m:t>+1</m:t>
+                            <m:t>+</m:t>
+                          </m:r>
+                          <m:r>
+                            <a:rPr lang="en-US" sz="2800" b="0" i="1" smtClean="0">
+                              <a:latin typeface="Cambria Math" panose="02040503050406030204" pitchFamily="18" charset="0"/>
+                            </a:rPr>
+                            <m:t>1</m:t>
                           </m:r>
                         </m:e>
                       </m:d>
@@ -29757,7 +29793,19 @@
                                 <a:rPr lang="en-US" altLang="ja-JP" sz="2800" b="0" i="1" smtClean="0">
                                   <a:latin typeface="Cambria Math" panose="02040503050406030204" pitchFamily="18" charset="0"/>
                                 </a:rPr>
-                                <m:t> 0)</m:t>
+                                <m:t> </m:t>
+                              </m:r>
+                              <m:r>
+                                <a:rPr lang="en-US" altLang="ja-JP" sz="2800" b="0" i="1" smtClean="0">
+                                  <a:latin typeface="Cambria Math" panose="02040503050406030204" pitchFamily="18" charset="0"/>
+                                </a:rPr>
+                                <m:t>0</m:t>
+                              </m:r>
+                              <m:r>
+                                <a:rPr lang="en-US" altLang="ja-JP" sz="2800" b="0" i="1" smtClean="0">
+                                  <a:latin typeface="Cambria Math" panose="02040503050406030204" pitchFamily="18" charset="0"/>
+                                </a:rPr>
+                                <m:t>)</m:t>
                               </m:r>
                             </m:e>
                             <m:e>
@@ -29934,7 +29982,19 @@
                                 <a:rPr lang="en-US" sz="2800" b="0" i="1" smtClean="0">
                                   <a:latin typeface="Cambria Math" panose="02040503050406030204" pitchFamily="18" charset="0"/>
                                 </a:rPr>
-                                <m:t> 1)</m:t>
+                                <m:t> </m:t>
+                              </m:r>
+                              <m:r>
+                                <a:rPr lang="en-US" sz="2800" b="0" i="1" smtClean="0">
+                                  <a:latin typeface="Cambria Math" panose="02040503050406030204" pitchFamily="18" charset="0"/>
+                                </a:rPr>
+                                <m:t>1</m:t>
+                              </m:r>
+                              <m:r>
+                                <a:rPr lang="en-US" sz="2800" b="0" i="1" smtClean="0">
+                                  <a:latin typeface="Cambria Math" panose="02040503050406030204" pitchFamily="18" charset="0"/>
+                                </a:rPr>
+                                <m:t>)</m:t>
                               </m:r>
                             </m:e>
                           </m:eqArr>
@@ -30105,7 +30165,13 @@
                             <a:rPr lang="en-US" sz="2800" b="0" i="1" smtClean="0">
                               <a:latin typeface="Cambria Math" panose="02040503050406030204" pitchFamily="18" charset="0"/>
                             </a:rPr>
-                            <m:t>+1</m:t>
+                            <m:t>+</m:t>
+                          </m:r>
+                          <m:r>
+                            <a:rPr lang="en-US" sz="2800" b="0" i="1" smtClean="0">
+                              <a:latin typeface="Cambria Math" panose="02040503050406030204" pitchFamily="18" charset="0"/>
+                            </a:rPr>
+                            <m:t>1</m:t>
                           </m:r>
                         </m:e>
                       </m:d>
@@ -30329,7 +30395,13 @@
                                 <a:rPr lang="en-US" sz="2800" b="0" i="1" smtClean="0">
                                   <a:latin typeface="Cambria Math" panose="02040503050406030204" pitchFamily="18" charset="0"/>
                                 </a:rPr>
-                                <m:t>)=0</m:t>
+                                <m:t>)=</m:t>
+                              </m:r>
+                              <m:r>
+                                <a:rPr lang="en-US" sz="2800" b="0" i="1" smtClean="0">
+                                  <a:latin typeface="Cambria Math" panose="02040503050406030204" pitchFamily="18" charset="0"/>
+                                </a:rPr>
+                                <m:t>0</m:t>
                               </m:r>
                             </m:e>
                             <m:e>
@@ -30527,7 +30599,13 @@
                                 <a:rPr lang="en-US" sz="2800" i="1">
                                   <a:latin typeface="Cambria Math" panose="02040503050406030204" pitchFamily="18" charset="0"/>
                                 </a:rPr>
-                                <m:t>)=1</m:t>
+                                <m:t>)=</m:t>
+                              </m:r>
+                              <m:r>
+                                <a:rPr lang="en-US" sz="2800" i="1">
+                                  <a:latin typeface="Cambria Math" panose="02040503050406030204" pitchFamily="18" charset="0"/>
+                                </a:rPr>
+                                <m:t>1</m:t>
                               </m:r>
                             </m:e>
                           </m:eqArr>
@@ -31144,7 +31222,13 @@
                                 <a:rPr lang="en-US" sz="2800" b="0" i="1" smtClean="0">
                                   <a:latin typeface="Cambria Math" panose="02040503050406030204" pitchFamily="18" charset="0"/>
                                 </a:rPr>
-                                <m:t>=0</m:t>
+                                <m:t>=</m:t>
+                              </m:r>
+                              <m:r>
+                                <a:rPr lang="en-US" sz="2800" b="0" i="1" smtClean="0">
+                                  <a:latin typeface="Cambria Math" panose="02040503050406030204" pitchFamily="18" charset="0"/>
+                                </a:rPr>
+                                <m:t>0</m:t>
                               </m:r>
                             </m:sub>
                             <m:sup>
@@ -31637,7 +31721,79 @@
                           <a:rPr lang="en-US" sz="2800" i="1">
                             <a:latin typeface="Cambria Math" panose="02040503050406030204" pitchFamily="18" charset="0"/>
                           </a:rPr>
-                          <m:t>0 0 1 1 0 0 0</m:t>
+                          <m:t>0</m:t>
+                        </m:r>
+                        <m:r>
+                          <a:rPr lang="en-US" sz="2800" i="1">
+                            <a:latin typeface="Cambria Math" panose="02040503050406030204" pitchFamily="18" charset="0"/>
+                          </a:rPr>
+                          <m:t> </m:t>
+                        </m:r>
+                        <m:r>
+                          <a:rPr lang="en-US" sz="2800" i="1">
+                            <a:latin typeface="Cambria Math" panose="02040503050406030204" pitchFamily="18" charset="0"/>
+                          </a:rPr>
+                          <m:t>0</m:t>
+                        </m:r>
+                        <m:r>
+                          <a:rPr lang="en-US" sz="2800" i="1">
+                            <a:latin typeface="Cambria Math" panose="02040503050406030204" pitchFamily="18" charset="0"/>
+                          </a:rPr>
+                          <m:t> </m:t>
+                        </m:r>
+                        <m:r>
+                          <a:rPr lang="en-US" sz="2800" i="1">
+                            <a:latin typeface="Cambria Math" panose="02040503050406030204" pitchFamily="18" charset="0"/>
+                          </a:rPr>
+                          <m:t>1</m:t>
+                        </m:r>
+                        <m:r>
+                          <a:rPr lang="en-US" sz="2800" i="1">
+                            <a:latin typeface="Cambria Math" panose="02040503050406030204" pitchFamily="18" charset="0"/>
+                          </a:rPr>
+                          <m:t> </m:t>
+                        </m:r>
+                        <m:r>
+                          <a:rPr lang="en-US" sz="2800" i="1">
+                            <a:latin typeface="Cambria Math" panose="02040503050406030204" pitchFamily="18" charset="0"/>
+                          </a:rPr>
+                          <m:t>1</m:t>
+                        </m:r>
+                        <m:r>
+                          <a:rPr lang="en-US" sz="2800" i="1">
+                            <a:latin typeface="Cambria Math" panose="02040503050406030204" pitchFamily="18" charset="0"/>
+                          </a:rPr>
+                          <m:t> </m:t>
+                        </m:r>
+                        <m:r>
+                          <a:rPr lang="en-US" sz="2800" i="1">
+                            <a:latin typeface="Cambria Math" panose="02040503050406030204" pitchFamily="18" charset="0"/>
+                          </a:rPr>
+                          <m:t>0</m:t>
+                        </m:r>
+                        <m:r>
+                          <a:rPr lang="en-US" sz="2800" i="1">
+                            <a:latin typeface="Cambria Math" panose="02040503050406030204" pitchFamily="18" charset="0"/>
+                          </a:rPr>
+                          <m:t> </m:t>
+                        </m:r>
+                        <m:r>
+                          <a:rPr lang="en-US" sz="2800" i="1">
+                            <a:latin typeface="Cambria Math" panose="02040503050406030204" pitchFamily="18" charset="0"/>
+                          </a:rPr>
+                          <m:t>0</m:t>
+                        </m:r>
+                        <m:r>
+                          <a:rPr lang="en-US" sz="2800" i="1">
+                            <a:latin typeface="Cambria Math" panose="02040503050406030204" pitchFamily="18" charset="0"/>
+                          </a:rPr>
+                          <m:t> </m:t>
+                        </m:r>
+                        <m:r>
+                          <a:rPr lang="en-US" sz="2800" i="1">
+                            <a:latin typeface="Cambria Math" panose="02040503050406030204" pitchFamily="18" charset="0"/>
+                          </a:rPr>
+                          <m:t>0</m:t>
                         </m:r>
                       </m:e>
                     </m:d>
@@ -31678,7 +31834,79 @@
                           <a:rPr lang="en-US" sz="2800" i="1">
                             <a:latin typeface="Cambria Math" panose="02040503050406030204" pitchFamily="18" charset="0"/>
                           </a:rPr>
-                          <m:t>1 0 0 0 0 0 0</m:t>
+                          <m:t>1</m:t>
+                        </m:r>
+                        <m:r>
+                          <a:rPr lang="en-US" sz="2800" i="1">
+                            <a:latin typeface="Cambria Math" panose="02040503050406030204" pitchFamily="18" charset="0"/>
+                          </a:rPr>
+                          <m:t> </m:t>
+                        </m:r>
+                        <m:r>
+                          <a:rPr lang="en-US" sz="2800" i="1">
+                            <a:latin typeface="Cambria Math" panose="02040503050406030204" pitchFamily="18" charset="0"/>
+                          </a:rPr>
+                          <m:t>0</m:t>
+                        </m:r>
+                        <m:r>
+                          <a:rPr lang="en-US" sz="2800" i="1">
+                            <a:latin typeface="Cambria Math" panose="02040503050406030204" pitchFamily="18" charset="0"/>
+                          </a:rPr>
+                          <m:t> </m:t>
+                        </m:r>
+                        <m:r>
+                          <a:rPr lang="en-US" sz="2800" i="1">
+                            <a:latin typeface="Cambria Math" panose="02040503050406030204" pitchFamily="18" charset="0"/>
+                          </a:rPr>
+                          <m:t>0</m:t>
+                        </m:r>
+                        <m:r>
+                          <a:rPr lang="en-US" sz="2800" i="1">
+                            <a:latin typeface="Cambria Math" panose="02040503050406030204" pitchFamily="18" charset="0"/>
+                          </a:rPr>
+                          <m:t> </m:t>
+                        </m:r>
+                        <m:r>
+                          <a:rPr lang="en-US" sz="2800" i="1">
+                            <a:latin typeface="Cambria Math" panose="02040503050406030204" pitchFamily="18" charset="0"/>
+                          </a:rPr>
+                          <m:t>0</m:t>
+                        </m:r>
+                        <m:r>
+                          <a:rPr lang="en-US" sz="2800" i="1">
+                            <a:latin typeface="Cambria Math" panose="02040503050406030204" pitchFamily="18" charset="0"/>
+                          </a:rPr>
+                          <m:t> </m:t>
+                        </m:r>
+                        <m:r>
+                          <a:rPr lang="en-US" sz="2800" i="1">
+                            <a:latin typeface="Cambria Math" panose="02040503050406030204" pitchFamily="18" charset="0"/>
+                          </a:rPr>
+                          <m:t>0</m:t>
+                        </m:r>
+                        <m:r>
+                          <a:rPr lang="en-US" sz="2800" i="1">
+                            <a:latin typeface="Cambria Math" panose="02040503050406030204" pitchFamily="18" charset="0"/>
+                          </a:rPr>
+                          <m:t> </m:t>
+                        </m:r>
+                        <m:r>
+                          <a:rPr lang="en-US" sz="2800" i="1">
+                            <a:latin typeface="Cambria Math" panose="02040503050406030204" pitchFamily="18" charset="0"/>
+                          </a:rPr>
+                          <m:t>0</m:t>
+                        </m:r>
+                        <m:r>
+                          <a:rPr lang="en-US" sz="2800" i="1">
+                            <a:latin typeface="Cambria Math" panose="02040503050406030204" pitchFamily="18" charset="0"/>
+                          </a:rPr>
+                          <m:t> </m:t>
+                        </m:r>
+                        <m:r>
+                          <a:rPr lang="en-US" sz="2800" i="1">
+                            <a:latin typeface="Cambria Math" panose="02040503050406030204" pitchFamily="18" charset="0"/>
+                          </a:rPr>
+                          <m:t>0</m:t>
                         </m:r>
                       </m:e>
                     </m:d>
@@ -38184,7 +38412,7 @@
               <a:t>4</a:t>
             </a:r>
             <a:r>
-              <a:rPr kumimoji="1" lang="ja-JP" altLang="en-US" sz="2800">
+              <a:rPr kumimoji="1" lang="ja-JP" altLang="en-US" sz="2800" dirty="0">
                 <a:latin typeface="Meiryo" panose="020B0604030504040204" pitchFamily="34" charset="-128"/>
                 <a:ea typeface="Meiryo" panose="020B0604030504040204" pitchFamily="34" charset="-128"/>
               </a:rPr>
@@ -38198,7 +38426,7 @@
               <a:t>10</a:t>
             </a:r>
             <a:r>
-              <a:rPr kumimoji="1" lang="ja-JP" altLang="en-US" sz="2800">
+              <a:rPr kumimoji="1" lang="ja-JP" altLang="en-US" sz="2800" dirty="0">
                 <a:latin typeface="Meiryo" panose="020B0604030504040204" pitchFamily="34" charset="-128"/>
                 <a:ea typeface="Meiryo" panose="020B0604030504040204" pitchFamily="34" charset="-128"/>
               </a:rPr>
@@ -38212,7 +38440,7 @@
               <a:t>UVA/Padova </a:t>
             </a:r>
             <a:r>
-              <a:rPr kumimoji="1" lang="ja-JP" altLang="en-US" sz="2800">
+              <a:rPr kumimoji="1" lang="ja-JP" altLang="en-US" sz="2800" dirty="0">
                 <a:latin typeface="Meiryo" panose="020B0604030504040204" pitchFamily="34" charset="-128"/>
                 <a:ea typeface="Meiryo" panose="020B0604030504040204" pitchFamily="34" charset="-128"/>
               </a:rPr>
@@ -38232,7 +38460,7 @@
               <a:buChar char="n"/>
             </a:pPr>
             <a:r>
-              <a:rPr kumimoji="1" lang="ja-JP" altLang="en-US" sz="2800">
+              <a:rPr kumimoji="1" lang="ja-JP" altLang="en-US" sz="2800" dirty="0">
                 <a:latin typeface="Meiryo" panose="020B0604030504040204" pitchFamily="34" charset="-128"/>
                 <a:ea typeface="Meiryo" panose="020B0604030504040204" pitchFamily="34" charset="-128"/>
               </a:rPr>
@@ -38260,7 +38488,7 @@
               <a:t>/IPOPT </a:t>
             </a:r>
             <a:r>
-              <a:rPr kumimoji="1" lang="ja-JP" altLang="en-US" sz="2800">
+              <a:rPr kumimoji="1" lang="ja-JP" altLang="en-US" sz="2800" dirty="0">
                 <a:latin typeface="Meiryo" panose="020B0604030504040204" pitchFamily="34" charset="-128"/>
                 <a:ea typeface="Meiryo" panose="020B0604030504040204" pitchFamily="34" charset="-128"/>
               </a:rPr>
@@ -38274,7 +38502,7 @@
               <a:t>SSOGMM</a:t>
             </a:r>
             <a:r>
-              <a:rPr kumimoji="1" lang="ja-JP" altLang="en-US" sz="2800">
+              <a:rPr kumimoji="1" lang="ja-JP" altLang="en-US" sz="2800" dirty="0">
                 <a:latin typeface="Meiryo" panose="020B0604030504040204" pitchFamily="34" charset="-128"/>
                 <a:ea typeface="Meiryo" panose="020B0604030504040204" pitchFamily="34" charset="-128"/>
               </a:rPr>
@@ -40679,6 +40907,60 @@
           <a:chExt cx="0" cy="0"/>
         </a:xfrm>
       </p:grpSpPr>
+      <p:sp>
+        <p:nvSpPr>
+          <p:cNvPr id="2" name="正方形/長方形 1">
+            <a:extLst>
+              <a:ext uri="{FF2B5EF4-FFF2-40B4-BE49-F238E27FC236}">
+                <a16:creationId xmlns:a16="http://schemas.microsoft.com/office/drawing/2014/main" id="{2E180BE8-030A-9EF4-FEDC-2729FA443ADE}"/>
+              </a:ext>
+            </a:extLst>
+          </p:cNvPr>
+          <p:cNvSpPr/>
+          <p:nvPr/>
+        </p:nvSpPr>
+        <p:spPr>
+          <a:xfrm>
+            <a:off x="1059655" y="4743450"/>
+            <a:ext cx="28460699" cy="4488306"/>
+          </a:xfrm>
+          <a:prstGeom prst="rect">
+            <a:avLst/>
+          </a:prstGeom>
+          <a:solidFill>
+            <a:schemeClr val="bg1">
+              <a:lumMod val="95000"/>
+            </a:schemeClr>
+          </a:solidFill>
+          <a:ln>
+            <a:noFill/>
+          </a:ln>
+        </p:spPr>
+        <p:style>
+          <a:lnRef idx="2">
+            <a:schemeClr val="accent1">
+              <a:shade val="15000"/>
+            </a:schemeClr>
+          </a:lnRef>
+          <a:fillRef idx="1">
+            <a:schemeClr val="accent1"/>
+          </a:fillRef>
+          <a:effectRef idx="0">
+            <a:schemeClr val="accent1"/>
+          </a:effectRef>
+          <a:fontRef idx="minor">
+            <a:schemeClr val="lt1"/>
+          </a:fontRef>
+        </p:style>
+        <p:txBody>
+          <a:bodyPr rtlCol="0" anchor="ctr"/>
+          <a:lstStyle/>
+          <a:p>
+            <a:pPr algn="ctr"/>
+            <a:endParaRPr kumimoji="1" lang="ja-JP" altLang="en-US"/>
+          </a:p>
+        </p:txBody>
+      </p:sp>
       <p:grpSp>
         <p:nvGrpSpPr>
           <p:cNvPr id="10" name="グループ化 9">
@@ -41007,65 +41289,11 @@
         <p:grpSpPr>
           <a:xfrm>
             <a:off x="1059656" y="4743450"/>
-            <a:ext cx="28460699" cy="4686300"/>
+            <a:ext cx="28460699" cy="4361140"/>
             <a:chOff x="1059656" y="4743450"/>
-            <a:chExt cx="28460699" cy="4686300"/>
+            <a:chExt cx="28460699" cy="4361140"/>
           </a:xfrm>
         </p:grpSpPr>
-        <p:sp>
-          <p:nvSpPr>
-            <p:cNvPr id="11" name="角丸四角形 10">
-              <a:extLst>
-                <a:ext uri="{FF2B5EF4-FFF2-40B4-BE49-F238E27FC236}">
-                  <a16:creationId xmlns:a16="http://schemas.microsoft.com/office/drawing/2014/main" id="{AE408339-3EE9-EA07-CF61-AD48DB80F7C2}"/>
-                </a:ext>
-              </a:extLst>
-            </p:cNvPr>
-            <p:cNvSpPr>
-              <a:spLocks noGrp="1" noRot="1" noMove="1" noResize="1" noEditPoints="1" noAdjustHandles="1" noChangeArrowheads="1" noChangeShapeType="1"/>
-            </p:cNvSpPr>
-            <p:nvPr/>
-          </p:nvSpPr>
-          <p:spPr>
-            <a:xfrm>
-              <a:off x="1059656" y="4743450"/>
-              <a:ext cx="28460699" cy="4686300"/>
-            </a:xfrm>
-            <a:prstGeom prst="roundRect">
-              <a:avLst/>
-            </a:prstGeom>
-            <a:solidFill>
-              <a:schemeClr val="bg1">
-                <a:lumMod val="95000"/>
-              </a:schemeClr>
-            </a:solidFill>
-            <a:ln>
-              <a:noFill/>
-            </a:ln>
-          </p:spPr>
-          <p:style>
-            <a:lnRef idx="2">
-              <a:schemeClr val="accent6"/>
-            </a:lnRef>
-            <a:fillRef idx="1">
-              <a:schemeClr val="lt1"/>
-            </a:fillRef>
-            <a:effectRef idx="0">
-              <a:schemeClr val="accent6"/>
-            </a:effectRef>
-            <a:fontRef idx="minor">
-              <a:schemeClr val="dk1"/>
-            </a:fontRef>
-          </p:style>
-          <p:txBody>
-            <a:bodyPr rtlCol="0" anchor="ctr"/>
-            <a:lstStyle/>
-            <a:p>
-              <a:pPr algn="ctr"/>
-              <a:endParaRPr kumimoji="1" lang="ja-JP" altLang="en-US"/>
-            </a:p>
-          </p:txBody>
-        </p:sp>
         <p:sp>
           <p:nvSpPr>
             <p:cNvPr id="12" name="正方形/長方形 11">
@@ -41194,21 +41422,21 @@
             <a:lstStyle/>
             <a:p>
               <a:r>
-                <a:rPr lang="ja-JP" altLang="en-US" sz="3200">
+                <a:rPr lang="ja-JP" altLang="en-US" sz="3200" dirty="0">
                   <a:latin typeface="Meiryo" panose="020B0604030504040204" pitchFamily="34" charset="-128"/>
                   <a:ea typeface="Meiryo" panose="020B0604030504040204" pitchFamily="34" charset="-128"/>
                 </a:rPr>
                 <a:t>１型糖尿病は，血糖値を低下させる働きを持つインスリンホルモンの体内分泌が停止することによって発症する．一般的なインスリン療法では，患者自身が食事量からインスリン投与量を決定する必要があり，低血糖状態などのリスクを伴う．現在，</a:t>
               </a:r>
               <a:r>
-                <a:rPr lang="en-JP" altLang="ja-JP" sz="3200">
+                <a:rPr lang="en-JP" altLang="ja-JP" sz="3200" dirty="0">
                   <a:latin typeface="Meiryo" panose="020B0604030504040204" pitchFamily="34" charset="-128"/>
                   <a:ea typeface="Meiryo" panose="020B0604030504040204" pitchFamily="34" charset="-128"/>
                 </a:rPr>
                 <a:t>Continuous-Glucose-Monitor（CGM）により得られた血糖値データから適切な投与量，投与タイミングを制御アルゴリズムに従い計算し，インスリン</a:t>
               </a:r>
               <a:r>
-                <a:rPr lang="ja-JP" altLang="en-US" sz="3200">
+                <a:rPr lang="ja-JP" altLang="en-US" sz="3200" dirty="0">
                   <a:latin typeface="Meiryo" panose="020B0604030504040204" pitchFamily="34" charset="-128"/>
                   <a:ea typeface="Meiryo" panose="020B0604030504040204" pitchFamily="34" charset="-128"/>
                 </a:rPr>
@@ -41222,7 +41450,7 @@
                 <a:t>1</a:t>
               </a:r>
               <a:r>
-                <a:rPr lang="ja-JP" altLang="en-US" sz="3200">
+                <a:rPr lang="ja-JP" altLang="en-US" sz="3200" dirty="0">
                   <a:latin typeface="Meiryo" panose="020B0604030504040204" pitchFamily="34" charset="-128"/>
                   <a:ea typeface="Meiryo" panose="020B0604030504040204" pitchFamily="34" charset="-128"/>
                 </a:rPr>
@@ -41236,7 +41464,7 @@
                 <a:t>-</a:t>
               </a:r>
               <a:r>
-                <a:rPr lang="ja-JP" altLang="en-US" sz="3200">
+                <a:rPr lang="ja-JP" altLang="en-US" sz="3200" dirty="0">
                   <a:latin typeface="Meiryo" panose="020B0604030504040204" pitchFamily="34" charset="-128"/>
                   <a:ea typeface="Meiryo" panose="020B0604030504040204" pitchFamily="34" charset="-128"/>
                 </a:rPr>
@@ -41252,10 +41480,10 @@
       </p:grpSp>
       <p:grpSp>
         <p:nvGrpSpPr>
-          <p:cNvPr id="18" name="グループ化 17">
+          <p:cNvPr id="4" name="グループ化 3">
             <a:extLst>
               <a:ext uri="{FF2B5EF4-FFF2-40B4-BE49-F238E27FC236}">
-                <a16:creationId xmlns:a16="http://schemas.microsoft.com/office/drawing/2014/main" id="{A45678D3-2072-07A7-145A-240AEAC545CA}"/>
+                <a16:creationId xmlns:a16="http://schemas.microsoft.com/office/drawing/2014/main" id="{3F0F72D6-A577-9889-A681-BF7F5736726E}"/>
               </a:ext>
             </a:extLst>
           </p:cNvPr>
@@ -41264,18 +41492,18 @@
         </p:nvGrpSpPr>
         <p:grpSpPr>
           <a:xfrm>
-            <a:off x="1059655" y="10090487"/>
-            <a:ext cx="28460699" cy="4686300"/>
-            <a:chOff x="1059656" y="4743450"/>
-            <a:chExt cx="28460699" cy="4686300"/>
+            <a:off x="1039552" y="9899065"/>
+            <a:ext cx="28460699" cy="4695910"/>
+            <a:chOff x="1315065" y="10279039"/>
+            <a:chExt cx="28460699" cy="4695910"/>
           </a:xfrm>
         </p:grpSpPr>
         <p:sp>
           <p:nvSpPr>
-            <p:cNvPr id="19" name="角丸四角形 18">
+            <p:cNvPr id="3" name="正方形/長方形 2">
               <a:extLst>
                 <a:ext uri="{FF2B5EF4-FFF2-40B4-BE49-F238E27FC236}">
-                  <a16:creationId xmlns:a16="http://schemas.microsoft.com/office/drawing/2014/main" id="{23BD3039-AB98-799D-F258-2642A15A44CB}"/>
+                  <a16:creationId xmlns:a16="http://schemas.microsoft.com/office/drawing/2014/main" id="{E19DEDB9-37F1-CB5B-A61D-387BEDBECD34}"/>
                 </a:ext>
               </a:extLst>
             </p:cNvPr>
@@ -41284,10 +41512,10 @@
           </p:nvSpPr>
           <p:spPr>
             <a:xfrm>
-              <a:off x="1059656" y="4743450"/>
-              <a:ext cx="28460699" cy="4686300"/>
+              <a:off x="1315065" y="10279039"/>
+              <a:ext cx="28460699" cy="4488306"/>
             </a:xfrm>
-            <a:prstGeom prst="roundRect">
+            <a:prstGeom prst="rect">
               <a:avLst/>
             </a:prstGeom>
             <a:solidFill>
@@ -41301,16 +41529,18 @@
           </p:spPr>
           <p:style>
             <a:lnRef idx="2">
-              <a:schemeClr val="accent6"/>
+              <a:schemeClr val="accent1">
+                <a:shade val="15000"/>
+              </a:schemeClr>
             </a:lnRef>
             <a:fillRef idx="1">
-              <a:schemeClr val="lt1"/>
+              <a:schemeClr val="accent1"/>
             </a:fillRef>
             <a:effectRef idx="0">
-              <a:schemeClr val="accent6"/>
+              <a:schemeClr val="accent1"/>
             </a:effectRef>
             <a:fontRef idx="minor">
-              <a:schemeClr val="dk1"/>
+              <a:schemeClr val="lt1"/>
             </a:fontRef>
           </p:style>
           <p:txBody>
@@ -41322,12 +41552,328 @@
             </a:p>
           </p:txBody>
         </p:sp>
+        <p:grpSp>
+          <p:nvGrpSpPr>
+            <p:cNvPr id="18" name="グループ化 17">
+              <a:extLst>
+                <a:ext uri="{FF2B5EF4-FFF2-40B4-BE49-F238E27FC236}">
+                  <a16:creationId xmlns:a16="http://schemas.microsoft.com/office/drawing/2014/main" id="{A45678D3-2072-07A7-145A-240AEAC545CA}"/>
+                </a:ext>
+              </a:extLst>
+            </p:cNvPr>
+            <p:cNvGrpSpPr/>
+            <p:nvPr/>
+          </p:nvGrpSpPr>
+          <p:grpSpPr>
+            <a:xfrm>
+              <a:off x="1315065" y="10288649"/>
+              <a:ext cx="28460699" cy="1898927"/>
+              <a:chOff x="1059656" y="4743450"/>
+              <a:chExt cx="28460699" cy="1898927"/>
+            </a:xfrm>
+          </p:grpSpPr>
+          <p:sp>
+            <p:nvSpPr>
+              <p:cNvPr id="20" name="正方形/長方形 19">
+                <a:extLst>
+                  <a:ext uri="{FF2B5EF4-FFF2-40B4-BE49-F238E27FC236}">
+                    <a16:creationId xmlns:a16="http://schemas.microsoft.com/office/drawing/2014/main" id="{C51DBDC8-BC02-4876-15E8-7CBB72F3E9D8}"/>
+                  </a:ext>
+                </a:extLst>
+              </p:cNvPr>
+              <p:cNvSpPr/>
+              <p:nvPr/>
+            </p:nvSpPr>
+            <p:spPr>
+              <a:xfrm>
+                <a:off x="1059656" y="4743450"/>
+                <a:ext cx="28460699" cy="1000125"/>
+              </a:xfrm>
+              <a:prstGeom prst="rect">
+                <a:avLst/>
+              </a:prstGeom>
+              <a:solidFill>
+                <a:schemeClr val="tx2"/>
+              </a:solidFill>
+            </p:spPr>
+            <p:style>
+              <a:lnRef idx="2">
+                <a:schemeClr val="accent1">
+                  <a:shade val="15000"/>
+                </a:schemeClr>
+              </a:lnRef>
+              <a:fillRef idx="1">
+                <a:schemeClr val="accent1"/>
+              </a:fillRef>
+              <a:effectRef idx="0">
+                <a:schemeClr val="accent1"/>
+              </a:effectRef>
+              <a:fontRef idx="minor">
+                <a:schemeClr val="lt1"/>
+              </a:fontRef>
+            </p:style>
+            <p:txBody>
+              <a:bodyPr rtlCol="0" anchor="ctr"/>
+              <a:lstStyle/>
+              <a:p>
+                <a:pPr algn="ctr"/>
+                <a:endParaRPr kumimoji="1" lang="ja-JP" altLang="en-US"/>
+              </a:p>
+            </p:txBody>
+          </p:sp>
+          <p:sp>
+            <p:nvSpPr>
+              <p:cNvPr id="21" name="テキスト ボックス 20">
+                <a:extLst>
+                  <a:ext uri="{FF2B5EF4-FFF2-40B4-BE49-F238E27FC236}">
+                    <a16:creationId xmlns:a16="http://schemas.microsoft.com/office/drawing/2014/main" id="{DE2CD1F5-2F2C-B684-01E9-53216BE871DF}"/>
+                  </a:ext>
+                </a:extLst>
+              </p:cNvPr>
+              <p:cNvSpPr txBox="1"/>
+              <p:nvPr/>
+            </p:nvSpPr>
+            <p:spPr>
+              <a:xfrm>
+                <a:off x="1543050" y="4940917"/>
+                <a:ext cx="4596997" cy="984885"/>
+              </a:xfrm>
+              <a:prstGeom prst="rect">
+                <a:avLst/>
+              </a:prstGeom>
+              <a:noFill/>
+            </p:spPr>
+            <p:txBody>
+              <a:bodyPr wrap="square" rtlCol="0">
+                <a:spAutoFit/>
+              </a:bodyPr>
+              <a:lstStyle/>
+              <a:p>
+                <a:r>
+                  <a:rPr lang="ja-JP" altLang="en-US" sz="4000" b="1">
+                    <a:solidFill>
+                      <a:schemeClr val="bg1"/>
+                    </a:solidFill>
+                    <a:latin typeface="Meiryo" panose="020B0604030504040204" pitchFamily="34" charset="-128"/>
+                    <a:ea typeface="Meiryo" panose="020B0604030504040204" pitchFamily="34" charset="-128"/>
+                  </a:rPr>
+                  <a:t>使用モデルの概要</a:t>
+                </a:r>
+                <a:endParaRPr lang="en-JP" altLang="ja-JP" sz="4000" b="1">
+                  <a:solidFill>
+                    <a:schemeClr val="bg1"/>
+                  </a:solidFill>
+                  <a:latin typeface="Meiryo" panose="020B0604030504040204" pitchFamily="34" charset="-128"/>
+                  <a:ea typeface="Meiryo" panose="020B0604030504040204" pitchFamily="34" charset="-128"/>
+                </a:endParaRPr>
+              </a:p>
+              <a:p>
+                <a:endParaRPr kumimoji="1" lang="ja-JP" altLang="en-US"/>
+              </a:p>
+            </p:txBody>
+          </p:sp>
+          <p:sp>
+            <p:nvSpPr>
+              <p:cNvPr id="22" name="テキスト ボックス 21">
+                <a:extLst>
+                  <a:ext uri="{FF2B5EF4-FFF2-40B4-BE49-F238E27FC236}">
+                    <a16:creationId xmlns:a16="http://schemas.microsoft.com/office/drawing/2014/main" id="{672C9A17-5003-3402-B623-49B7BCEAD1FA}"/>
+                  </a:ext>
+                </a:extLst>
+              </p:cNvPr>
+              <p:cNvSpPr txBox="1"/>
+              <p:nvPr/>
+            </p:nvSpPr>
+            <p:spPr>
+              <a:xfrm>
+                <a:off x="1840707" y="6057602"/>
+                <a:ext cx="27374850" cy="584775"/>
+              </a:xfrm>
+              <a:prstGeom prst="rect">
+                <a:avLst/>
+              </a:prstGeom>
+              <a:noFill/>
+            </p:spPr>
+            <p:txBody>
+              <a:bodyPr wrap="square" rtlCol="0">
+                <a:spAutoFit/>
+              </a:bodyPr>
+              <a:lstStyle/>
+              <a:p>
+                <a:r>
+                  <a:rPr lang="en-US" altLang="ja-JP" sz="3200" dirty="0">
+                    <a:latin typeface="Meiryo" panose="020B0604030504040204" pitchFamily="34" charset="-128"/>
+                    <a:ea typeface="Meiryo" panose="020B0604030504040204" pitchFamily="34" charset="-128"/>
+                  </a:rPr>
+                  <a:t>Uva/</a:t>
+                </a:r>
+                <a:r>
+                  <a:rPr lang="en-US" altLang="ja-JP" sz="3200" dirty="0" err="1">
+                    <a:latin typeface="Meiryo" panose="020B0604030504040204" pitchFamily="34" charset="-128"/>
+                    <a:ea typeface="Meiryo" panose="020B0604030504040204" pitchFamily="34" charset="-128"/>
+                  </a:rPr>
+                  <a:t>padova</a:t>
+                </a:r>
+                <a:r>
+                  <a:rPr lang="ja-JP" altLang="en-US" sz="3200">
+                    <a:latin typeface="Meiryo" panose="020B0604030504040204" pitchFamily="34" charset="-128"/>
+                    <a:ea typeface="Meiryo" panose="020B0604030504040204" pitchFamily="34" charset="-128"/>
+                  </a:rPr>
+                  <a:t>モデル　　シミュレーション用　　非線形制が強い　また高次元　計算量が多く制御モデルに適さない</a:t>
+                </a:r>
+                <a:endParaRPr lang="en-US" altLang="ja-JP" sz="3200" dirty="0">
+                  <a:latin typeface="Meiryo" panose="020B0604030504040204" pitchFamily="34" charset="-128"/>
+                  <a:ea typeface="Meiryo" panose="020B0604030504040204" pitchFamily="34" charset="-128"/>
+                </a:endParaRPr>
+              </a:p>
+            </p:txBody>
+          </p:sp>
+        </p:grpSp>
         <p:sp>
           <p:nvSpPr>
-            <p:cNvPr id="20" name="正方形/長方形 19">
+            <p:cNvPr id="23" name="テキスト ボックス 22">
               <a:extLst>
                 <a:ext uri="{FF2B5EF4-FFF2-40B4-BE49-F238E27FC236}">
-                  <a16:creationId xmlns:a16="http://schemas.microsoft.com/office/drawing/2014/main" id="{C51DBDC8-BC02-4876-15E8-7CBB72F3E9D8}"/>
+                  <a16:creationId xmlns:a16="http://schemas.microsoft.com/office/drawing/2014/main" id="{5C99D2EB-F955-7D51-EBFC-7FC645CADB74}"/>
+                </a:ext>
+              </a:extLst>
+            </p:cNvPr>
+            <p:cNvSpPr txBox="1"/>
+            <p:nvPr/>
+          </p:nvSpPr>
+          <p:spPr>
+            <a:xfrm>
+              <a:off x="1840706" y="12854641"/>
+              <a:ext cx="27374850" cy="584775"/>
+            </a:xfrm>
+            <a:prstGeom prst="rect">
+              <a:avLst/>
+            </a:prstGeom>
+            <a:noFill/>
+          </p:spPr>
+          <p:txBody>
+            <a:bodyPr wrap="square" rtlCol="0">
+              <a:spAutoFit/>
+            </a:bodyPr>
+            <a:lstStyle/>
+            <a:p>
+              <a:r>
+                <a:rPr lang="en-US" altLang="ja-JP" sz="3200" dirty="0" err="1">
+                  <a:latin typeface="Meiryo" panose="020B0604030504040204" pitchFamily="34" charset="-128"/>
+                  <a:ea typeface="Meiryo" panose="020B0604030504040204" pitchFamily="34" charset="-128"/>
+                </a:rPr>
+                <a:t>Ssogmm</a:t>
+              </a:r>
+              <a:r>
+                <a:rPr lang="en-US" altLang="ja-JP" sz="3200" dirty="0">
+                  <a:latin typeface="Meiryo" panose="020B0604030504040204" pitchFamily="34" charset="-128"/>
+                  <a:ea typeface="Meiryo" panose="020B0604030504040204" pitchFamily="34" charset="-128"/>
+                </a:rPr>
+                <a:t>		</a:t>
+              </a:r>
+              <a:r>
+                <a:rPr lang="ja-JP" altLang="en-US" sz="3200">
+                  <a:latin typeface="Meiryo" panose="020B0604030504040204" pitchFamily="34" charset="-128"/>
+                  <a:ea typeface="Meiryo" panose="020B0604030504040204" pitchFamily="34" charset="-128"/>
+                </a:rPr>
+                <a:t>制御指向モデル</a:t>
+              </a:r>
+              <a:r>
+                <a:rPr lang="en-US" altLang="ja-JP" sz="3200" dirty="0">
+                  <a:latin typeface="Meiryo" panose="020B0604030504040204" pitchFamily="34" charset="-128"/>
+                  <a:ea typeface="Meiryo" panose="020B0604030504040204" pitchFamily="34" charset="-128"/>
+                </a:rPr>
+                <a:t>		</a:t>
+              </a:r>
+              <a:r>
+                <a:rPr lang="ja-JP" altLang="en-US" sz="3200">
+                  <a:latin typeface="Meiryo" panose="020B0604030504040204" pitchFamily="34" charset="-128"/>
+                  <a:ea typeface="Meiryo" panose="020B0604030504040204" pitchFamily="34" charset="-128"/>
+                </a:rPr>
+                <a:t>非線形項は双線形と切り替え項</a:t>
+              </a:r>
+              <a:endParaRPr lang="en-US" altLang="ja-JP" sz="3200" dirty="0">
+                <a:latin typeface="Meiryo" panose="020B0604030504040204" pitchFamily="34" charset="-128"/>
+                <a:ea typeface="Meiryo" panose="020B0604030504040204" pitchFamily="34" charset="-128"/>
+              </a:endParaRPr>
+            </a:p>
+          </p:txBody>
+        </p:sp>
+        <p:sp>
+          <p:nvSpPr>
+            <p:cNvPr id="24" name="テキスト ボックス 23">
+              <a:extLst>
+                <a:ext uri="{FF2B5EF4-FFF2-40B4-BE49-F238E27FC236}">
+                  <a16:creationId xmlns:a16="http://schemas.microsoft.com/office/drawing/2014/main" id="{B186600A-1D8B-AA56-60C5-82E46BF6A5F7}"/>
+                </a:ext>
+              </a:extLst>
+            </p:cNvPr>
+            <p:cNvSpPr txBox="1"/>
+            <p:nvPr/>
+          </p:nvSpPr>
+          <p:spPr>
+            <a:xfrm>
+              <a:off x="6743700" y="13760363"/>
+              <a:ext cx="13658850" cy="1214586"/>
+            </a:xfrm>
+            <a:prstGeom prst="rect">
+              <a:avLst/>
+            </a:prstGeom>
+            <a:noFill/>
+          </p:spPr>
+          <p:txBody>
+            <a:bodyPr wrap="square" rtlCol="0">
+              <a:spAutoFit/>
+            </a:bodyPr>
+            <a:lstStyle/>
+            <a:p>
+              <a:r>
+                <a:rPr kumimoji="1" lang="ja-JP" altLang="en-US" sz="3200"/>
+                <a:t>数値</a:t>
+              </a:r>
+              <a:r>
+                <a:rPr kumimoji="1" lang="ja-JP" altLang="en-US" sz="3600"/>
+                <a:t>実験をするときは、切り替えタイミングは事前にわかっていると仮定している。食事入力より入力</a:t>
+              </a:r>
+              <a:r>
+                <a:rPr kumimoji="1" lang="en-US" altLang="ja-JP" sz="3600" dirty="0"/>
+                <a:t>Ra</a:t>
+              </a:r>
+              <a:r>
+                <a:rPr lang="ja-JP" altLang="en-US" sz="3600"/>
+                <a:t>が事前にわかっている</a:t>
+              </a:r>
+              <a:endParaRPr kumimoji="1" lang="ja-JP" altLang="en-US" sz="3600"/>
+            </a:p>
+          </p:txBody>
+        </p:sp>
+      </p:grpSp>
+      <p:grpSp>
+        <p:nvGrpSpPr>
+          <p:cNvPr id="15" name="グループ化 14">
+            <a:extLst>
+              <a:ext uri="{FF2B5EF4-FFF2-40B4-BE49-F238E27FC236}">
+                <a16:creationId xmlns:a16="http://schemas.microsoft.com/office/drawing/2014/main" id="{B5739067-6E83-E88C-BE1E-23F3C8434D7D}"/>
+              </a:ext>
+            </a:extLst>
+          </p:cNvPr>
+          <p:cNvGrpSpPr/>
+          <p:nvPr/>
+        </p:nvGrpSpPr>
+        <p:grpSpPr>
+          <a:xfrm>
+            <a:off x="1039552" y="15054680"/>
+            <a:ext cx="13974939" cy="22418300"/>
+            <a:chOff x="1059655" y="15642013"/>
+            <a:chExt cx="13974939" cy="22418300"/>
+          </a:xfrm>
+        </p:grpSpPr>
+        <p:sp>
+          <p:nvSpPr>
+            <p:cNvPr id="6" name="正方形/長方形 5">
+              <a:extLst>
+                <a:ext uri="{FF2B5EF4-FFF2-40B4-BE49-F238E27FC236}">
+                  <a16:creationId xmlns:a16="http://schemas.microsoft.com/office/drawing/2014/main" id="{9F086181-39B1-D9F8-947A-753E4A0A4DBC}"/>
                 </a:ext>
               </a:extLst>
             </p:cNvPr>
@@ -41336,15 +41882,20 @@
           </p:nvSpPr>
           <p:spPr>
             <a:xfrm>
-              <a:off x="1059656" y="4743450"/>
-              <a:ext cx="28460699" cy="1000125"/>
+              <a:off x="1059655" y="15642013"/>
+              <a:ext cx="13974938" cy="22418300"/>
             </a:xfrm>
             <a:prstGeom prst="rect">
               <a:avLst/>
             </a:prstGeom>
             <a:solidFill>
-              <a:schemeClr val="tx2"/>
+              <a:schemeClr val="bg1">
+                <a:lumMod val="95000"/>
+              </a:schemeClr>
             </a:solidFill>
+            <a:ln>
+              <a:noFill/>
+            </a:ln>
           </p:spPr>
           <p:style>
             <a:lnRef idx="2">
@@ -41373,10 +41924,61 @@
         </p:sp>
         <p:sp>
           <p:nvSpPr>
-            <p:cNvPr id="21" name="テキスト ボックス 20">
+            <p:cNvPr id="37" name="Rectangle 22">
               <a:extLst>
                 <a:ext uri="{FF2B5EF4-FFF2-40B4-BE49-F238E27FC236}">
-                  <a16:creationId xmlns:a16="http://schemas.microsoft.com/office/drawing/2014/main" id="{DE2CD1F5-2F2C-B684-01E9-53216BE871DF}"/>
+                  <a16:creationId xmlns:a16="http://schemas.microsoft.com/office/drawing/2014/main" id="{AC1E8311-21B8-F56C-CFF8-D1FA0BC826EC}"/>
+                </a:ext>
+              </a:extLst>
+            </p:cNvPr>
+            <p:cNvSpPr/>
+            <p:nvPr/>
+          </p:nvSpPr>
+          <p:spPr>
+            <a:xfrm>
+              <a:off x="1059655" y="15642013"/>
+              <a:ext cx="13974939" cy="1051103"/>
+            </a:xfrm>
+            <a:prstGeom prst="rect">
+              <a:avLst/>
+            </a:prstGeom>
+            <a:solidFill>
+              <a:schemeClr val="tx2"/>
+            </a:solidFill>
+            <a:ln>
+              <a:noFill/>
+            </a:ln>
+          </p:spPr>
+          <p:style>
+            <a:lnRef idx="2">
+              <a:schemeClr val="accent1">
+                <a:shade val="15000"/>
+              </a:schemeClr>
+            </a:lnRef>
+            <a:fillRef idx="1">
+              <a:schemeClr val="accent1"/>
+            </a:fillRef>
+            <a:effectRef idx="0">
+              <a:schemeClr val="accent1"/>
+            </a:effectRef>
+            <a:fontRef idx="minor">
+              <a:schemeClr val="lt1"/>
+            </a:fontRef>
+          </p:style>
+          <p:txBody>
+            <a:bodyPr rtlCol="0" anchor="ctr"/>
+            <a:lstStyle/>
+            <a:p>
+              <a:endParaRPr lang="en-JP" sz="4400" b="1" dirty="0"/>
+            </a:p>
+          </p:txBody>
+        </p:sp>
+        <p:sp>
+          <p:nvSpPr>
+            <p:cNvPr id="41" name="テキスト ボックス 40">
+              <a:extLst>
+                <a:ext uri="{FF2B5EF4-FFF2-40B4-BE49-F238E27FC236}">
+                  <a16:creationId xmlns:a16="http://schemas.microsoft.com/office/drawing/2014/main" id="{5F21EAA5-63A5-24BD-E7D9-235F1ED380DB}"/>
                 </a:ext>
               </a:extLst>
             </p:cNvPr>
@@ -41385,7 +41987,7 @@
           </p:nvSpPr>
           <p:spPr>
             <a:xfrm>
-              <a:off x="1543050" y="4940917"/>
+              <a:off x="1543049" y="15934731"/>
               <a:ext cx="4596997" cy="984885"/>
             </a:xfrm>
             <a:prstGeom prst="rect">
@@ -41407,7 +42009,7 @@
                   <a:latin typeface="Meiryo" panose="020B0604030504040204" pitchFamily="34" charset="-128"/>
                   <a:ea typeface="Meiryo" panose="020B0604030504040204" pitchFamily="34" charset="-128"/>
                 </a:rPr>
-                <a:t>使用モデルの概要</a:t>
+                <a:t>状態推定器</a:t>
               </a:r>
               <a:endParaRPr lang="en-JP" altLang="ja-JP" sz="4000" b="1">
                 <a:solidFill>
@@ -41422,12 +42024,139 @@
             </a:p>
           </p:txBody>
         </p:sp>
+      </p:grpSp>
+      <p:grpSp>
+        <p:nvGrpSpPr>
+          <p:cNvPr id="26" name="グループ化 25">
+            <a:extLst>
+              <a:ext uri="{FF2B5EF4-FFF2-40B4-BE49-F238E27FC236}">
+                <a16:creationId xmlns:a16="http://schemas.microsoft.com/office/drawing/2014/main" id="{A8748310-A1CF-0E8A-A0E2-178FD8DDBA92}"/>
+              </a:ext>
+            </a:extLst>
+          </p:cNvPr>
+          <p:cNvGrpSpPr/>
+          <p:nvPr/>
+        </p:nvGrpSpPr>
+        <p:grpSpPr>
+          <a:xfrm>
+            <a:off x="15497884" y="14950878"/>
+            <a:ext cx="13974939" cy="22418300"/>
+            <a:chOff x="15545415" y="15642013"/>
+            <a:chExt cx="13974939" cy="22418300"/>
+          </a:xfrm>
+        </p:grpSpPr>
         <p:sp>
           <p:nvSpPr>
-            <p:cNvPr id="22" name="テキスト ボックス 21">
+            <p:cNvPr id="25" name="正方形/長方形 24">
               <a:extLst>
                 <a:ext uri="{FF2B5EF4-FFF2-40B4-BE49-F238E27FC236}">
-                  <a16:creationId xmlns:a16="http://schemas.microsoft.com/office/drawing/2014/main" id="{672C9A17-5003-3402-B623-49B7BCEAD1FA}"/>
+                  <a16:creationId xmlns:a16="http://schemas.microsoft.com/office/drawing/2014/main" id="{803E1604-CAE5-93F9-DD65-6BF786C9ADF8}"/>
+                </a:ext>
+              </a:extLst>
+            </p:cNvPr>
+            <p:cNvSpPr/>
+            <p:nvPr/>
+          </p:nvSpPr>
+          <p:spPr>
+            <a:xfrm>
+              <a:off x="15545416" y="15642013"/>
+              <a:ext cx="13974938" cy="22418300"/>
+            </a:xfrm>
+            <a:prstGeom prst="rect">
+              <a:avLst/>
+            </a:prstGeom>
+            <a:solidFill>
+              <a:schemeClr val="bg1">
+                <a:lumMod val="95000"/>
+              </a:schemeClr>
+            </a:solidFill>
+            <a:ln>
+              <a:noFill/>
+            </a:ln>
+          </p:spPr>
+          <p:style>
+            <a:lnRef idx="2">
+              <a:schemeClr val="accent1">
+                <a:shade val="15000"/>
+              </a:schemeClr>
+            </a:lnRef>
+            <a:fillRef idx="1">
+              <a:schemeClr val="accent1"/>
+            </a:fillRef>
+            <a:effectRef idx="0">
+              <a:schemeClr val="accent1"/>
+            </a:effectRef>
+            <a:fontRef idx="minor">
+              <a:schemeClr val="lt1"/>
+            </a:fontRef>
+          </p:style>
+          <p:txBody>
+            <a:bodyPr rtlCol="0" anchor="ctr"/>
+            <a:lstStyle/>
+            <a:p>
+              <a:pPr algn="ctr"/>
+              <a:endParaRPr kumimoji="1" lang="ja-JP" altLang="en-US"/>
+            </a:p>
+          </p:txBody>
+        </p:sp>
+        <p:sp>
+          <p:nvSpPr>
+            <p:cNvPr id="38" name="Rectangle 22">
+              <a:extLst>
+                <a:ext uri="{FF2B5EF4-FFF2-40B4-BE49-F238E27FC236}">
+                  <a16:creationId xmlns:a16="http://schemas.microsoft.com/office/drawing/2014/main" id="{F2686EEB-692C-32FC-CB2B-66CF4EF03F93}"/>
+                </a:ext>
+              </a:extLst>
+            </p:cNvPr>
+            <p:cNvSpPr/>
+            <p:nvPr/>
+          </p:nvSpPr>
+          <p:spPr>
+            <a:xfrm>
+              <a:off x="15545415" y="15642013"/>
+              <a:ext cx="13974939" cy="1051102"/>
+            </a:xfrm>
+            <a:prstGeom prst="rect">
+              <a:avLst/>
+            </a:prstGeom>
+            <a:solidFill>
+              <a:schemeClr val="tx2"/>
+            </a:solidFill>
+            <a:ln>
+              <a:noFill/>
+            </a:ln>
+          </p:spPr>
+          <p:style>
+            <a:lnRef idx="2">
+              <a:schemeClr val="accent1">
+                <a:shade val="15000"/>
+              </a:schemeClr>
+            </a:lnRef>
+            <a:fillRef idx="1">
+              <a:schemeClr val="accent1"/>
+            </a:fillRef>
+            <a:effectRef idx="0">
+              <a:schemeClr val="accent1"/>
+            </a:effectRef>
+            <a:fontRef idx="minor">
+              <a:schemeClr val="lt1"/>
+            </a:fontRef>
+          </p:style>
+          <p:txBody>
+            <a:bodyPr rtlCol="0" anchor="ctr"/>
+            <a:lstStyle/>
+            <a:p>
+              <a:pPr algn="ctr"/>
+              <a:endParaRPr lang="en-JP" dirty="0"/>
+            </a:p>
+          </p:txBody>
+        </p:sp>
+        <p:sp>
+          <p:nvSpPr>
+            <p:cNvPr id="42" name="テキスト ボックス 41">
+              <a:extLst>
+                <a:ext uri="{FF2B5EF4-FFF2-40B4-BE49-F238E27FC236}">
+                  <a16:creationId xmlns:a16="http://schemas.microsoft.com/office/drawing/2014/main" id="{A2FAF325-6D49-585A-4E0D-075787FAB8E2}"/>
                 </a:ext>
               </a:extLst>
             </p:cNvPr>
@@ -41436,8 +42165,8 @@
           </p:nvSpPr>
           <p:spPr>
             <a:xfrm>
-              <a:off x="1840707" y="6057602"/>
-              <a:ext cx="27374850" cy="584775"/>
+              <a:off x="16068077" y="15934731"/>
+              <a:ext cx="4596997" cy="984885"/>
             </a:xfrm>
             <a:prstGeom prst="rect">
               <a:avLst/>
@@ -41451,525 +42180,29 @@
             <a:lstStyle/>
             <a:p>
               <a:r>
-                <a:rPr lang="en-US" altLang="ja-JP" sz="3200" dirty="0">
+                <a:rPr lang="ja-JP" altLang="en-US" sz="4000" b="1">
+                  <a:solidFill>
+                    <a:schemeClr val="bg1"/>
+                  </a:solidFill>
                   <a:latin typeface="Meiryo" panose="020B0604030504040204" pitchFamily="34" charset="-128"/>
                   <a:ea typeface="Meiryo" panose="020B0604030504040204" pitchFamily="34" charset="-128"/>
                 </a:rPr>
-                <a:t>Uva/</a:t>
+                <a:t>結果</a:t>
               </a:r>
-              <a:r>
-                <a:rPr lang="en-US" altLang="ja-JP" sz="3200" dirty="0" err="1">
-                  <a:latin typeface="Meiryo" panose="020B0604030504040204" pitchFamily="34" charset="-128"/>
-                  <a:ea typeface="Meiryo" panose="020B0604030504040204" pitchFamily="34" charset="-128"/>
-                </a:rPr>
-                <a:t>padova</a:t>
-              </a:r>
-              <a:r>
-                <a:rPr lang="ja-JP" altLang="en-US" sz="3200">
-                  <a:latin typeface="Meiryo" panose="020B0604030504040204" pitchFamily="34" charset="-128"/>
-                  <a:ea typeface="Meiryo" panose="020B0604030504040204" pitchFamily="34" charset="-128"/>
-                </a:rPr>
-                <a:t>モデル　　シミュレーション用　　非線形制が強い　また高次元　計算量が多く制御モデルに適さない</a:t>
-              </a:r>
-              <a:endParaRPr lang="en-US" altLang="ja-JP" sz="3200" dirty="0">
-                <a:latin typeface="Meiryo" panose="020B0604030504040204" pitchFamily="34" charset="-128"/>
-                <a:ea typeface="Meiryo" panose="020B0604030504040204" pitchFamily="34" charset="-128"/>
-              </a:endParaRPr>
-            </a:p>
-          </p:txBody>
-        </p:sp>
-      </p:grpSp>
-      <p:sp>
-        <p:nvSpPr>
-          <p:cNvPr id="23" name="テキスト ボックス 22">
-            <a:extLst>
-              <a:ext uri="{FF2B5EF4-FFF2-40B4-BE49-F238E27FC236}">
-                <a16:creationId xmlns:a16="http://schemas.microsoft.com/office/drawing/2014/main" id="{5C99D2EB-F955-7D51-EBFC-7FC645CADB74}"/>
-              </a:ext>
-            </a:extLst>
-          </p:cNvPr>
-          <p:cNvSpPr txBox="1"/>
-          <p:nvPr/>
-        </p:nvSpPr>
-        <p:spPr>
-          <a:xfrm>
-            <a:off x="1840706" y="12854641"/>
-            <a:ext cx="27374850" cy="584775"/>
-          </a:xfrm>
-          <a:prstGeom prst="rect">
-            <a:avLst/>
-          </a:prstGeom>
-          <a:noFill/>
-        </p:spPr>
-        <p:txBody>
-          <a:bodyPr wrap="square" rtlCol="0">
-            <a:spAutoFit/>
-          </a:bodyPr>
-          <a:lstStyle/>
-          <a:p>
-            <a:r>
-              <a:rPr lang="en-US" altLang="ja-JP" sz="3200" dirty="0" err="1">
-                <a:latin typeface="Meiryo" panose="020B0604030504040204" pitchFamily="34" charset="-128"/>
-                <a:ea typeface="Meiryo" panose="020B0604030504040204" pitchFamily="34" charset="-128"/>
-              </a:rPr>
-              <a:t>Ssogmm</a:t>
-            </a:r>
-            <a:r>
-              <a:rPr lang="en-US" altLang="ja-JP" sz="3200" dirty="0">
-                <a:latin typeface="Meiryo" panose="020B0604030504040204" pitchFamily="34" charset="-128"/>
-                <a:ea typeface="Meiryo" panose="020B0604030504040204" pitchFamily="34" charset="-128"/>
-              </a:rPr>
-              <a:t>		</a:t>
-            </a:r>
-            <a:r>
-              <a:rPr lang="ja-JP" altLang="en-US" sz="3200">
-                <a:latin typeface="Meiryo" panose="020B0604030504040204" pitchFamily="34" charset="-128"/>
-                <a:ea typeface="Meiryo" panose="020B0604030504040204" pitchFamily="34" charset="-128"/>
-              </a:rPr>
-              <a:t>制御指向モデル</a:t>
-            </a:r>
-            <a:r>
-              <a:rPr lang="en-US" altLang="ja-JP" sz="3200" dirty="0">
-                <a:latin typeface="Meiryo" panose="020B0604030504040204" pitchFamily="34" charset="-128"/>
-                <a:ea typeface="Meiryo" panose="020B0604030504040204" pitchFamily="34" charset="-128"/>
-              </a:rPr>
-              <a:t>		</a:t>
-            </a:r>
-            <a:r>
-              <a:rPr lang="ja-JP" altLang="en-US" sz="3200">
-                <a:latin typeface="Meiryo" panose="020B0604030504040204" pitchFamily="34" charset="-128"/>
-                <a:ea typeface="Meiryo" panose="020B0604030504040204" pitchFamily="34" charset="-128"/>
-              </a:rPr>
-              <a:t>非線形項は双線形と切り替え項</a:t>
-            </a:r>
-            <a:endParaRPr lang="en-US" altLang="ja-JP" sz="3200" dirty="0">
-              <a:latin typeface="Meiryo" panose="020B0604030504040204" pitchFamily="34" charset="-128"/>
-              <a:ea typeface="Meiryo" panose="020B0604030504040204" pitchFamily="34" charset="-128"/>
-            </a:endParaRPr>
-          </a:p>
-        </p:txBody>
-      </p:sp>
-      <p:sp>
-        <p:nvSpPr>
-          <p:cNvPr id="24" name="テキスト ボックス 23">
-            <a:extLst>
-              <a:ext uri="{FF2B5EF4-FFF2-40B4-BE49-F238E27FC236}">
-                <a16:creationId xmlns:a16="http://schemas.microsoft.com/office/drawing/2014/main" id="{B186600A-1D8B-AA56-60C5-82E46BF6A5F7}"/>
-              </a:ext>
-            </a:extLst>
-          </p:cNvPr>
-          <p:cNvSpPr txBox="1"/>
-          <p:nvPr/>
-        </p:nvSpPr>
-        <p:spPr>
-          <a:xfrm>
-            <a:off x="6743700" y="13760363"/>
-            <a:ext cx="13658850" cy="1214586"/>
-          </a:xfrm>
-          <a:prstGeom prst="rect">
-            <a:avLst/>
-          </a:prstGeom>
-          <a:noFill/>
-        </p:spPr>
-        <p:txBody>
-          <a:bodyPr wrap="square" rtlCol="0">
-            <a:spAutoFit/>
-          </a:bodyPr>
-          <a:lstStyle/>
-          <a:p>
-            <a:r>
-              <a:rPr kumimoji="1" lang="ja-JP" altLang="en-US" sz="3200"/>
-              <a:t>数値</a:t>
-            </a:r>
-            <a:r>
-              <a:rPr kumimoji="1" lang="ja-JP" altLang="en-US" sz="3600"/>
-              <a:t>実験をするときは、切り替えタイミングは事前にわかっていると仮定している。食事入力より入力</a:t>
-            </a:r>
-            <a:r>
-              <a:rPr kumimoji="1" lang="en-US" altLang="ja-JP" sz="3600" dirty="0"/>
-              <a:t>Ra</a:t>
-            </a:r>
-            <a:r>
-              <a:rPr lang="ja-JP" altLang="en-US" sz="3600"/>
-              <a:t>が事前にわかっている</a:t>
-            </a:r>
-            <a:endParaRPr kumimoji="1" lang="ja-JP" altLang="en-US" sz="3600"/>
-          </a:p>
-        </p:txBody>
-      </p:sp>
-      <p:sp>
-        <p:nvSpPr>
-          <p:cNvPr id="31" name="Rounded Rectangle 1166">
-            <a:extLst>
-              <a:ext uri="{FF2B5EF4-FFF2-40B4-BE49-F238E27FC236}">
-                <a16:creationId xmlns:a16="http://schemas.microsoft.com/office/drawing/2014/main" id="{8F3EF624-0B31-1755-E69A-EB2EBE02C85F}"/>
-              </a:ext>
-            </a:extLst>
-          </p:cNvPr>
-          <p:cNvSpPr/>
-          <p:nvPr/>
-        </p:nvSpPr>
-        <p:spPr>
-          <a:xfrm>
-            <a:off x="1059655" y="15642013"/>
-            <a:ext cx="13974938" cy="22418300"/>
-          </a:xfrm>
-          <a:prstGeom prst="roundRect">
-            <a:avLst>
-              <a:gd name="adj" fmla="val 2753"/>
-            </a:avLst>
-          </a:prstGeom>
-          <a:solidFill>
-            <a:schemeClr val="bg1">
-              <a:lumMod val="95000"/>
-            </a:schemeClr>
-          </a:solidFill>
-          <a:ln>
-            <a:noFill/>
-          </a:ln>
-        </p:spPr>
-        <p:style>
-          <a:lnRef idx="2">
-            <a:schemeClr val="accent1">
-              <a:shade val="15000"/>
-            </a:schemeClr>
-          </a:lnRef>
-          <a:fillRef idx="1">
-            <a:schemeClr val="accent1"/>
-          </a:fillRef>
-          <a:effectRef idx="0">
-            <a:schemeClr val="accent1"/>
-          </a:effectRef>
-          <a:fontRef idx="minor">
-            <a:schemeClr val="lt1"/>
-          </a:fontRef>
-        </p:style>
-        <p:txBody>
-          <a:bodyPr rtlCol="0" anchor="ctr"/>
-          <a:lstStyle/>
-          <a:p>
-            <a:pPr algn="ctr"/>
-            <a:endParaRPr lang="en-JP" dirty="0"/>
-          </a:p>
-        </p:txBody>
-      </p:sp>
-      <p:sp>
-        <p:nvSpPr>
-          <p:cNvPr id="32" name="Rounded Rectangle 1166">
-            <a:extLst>
-              <a:ext uri="{FF2B5EF4-FFF2-40B4-BE49-F238E27FC236}">
-                <a16:creationId xmlns:a16="http://schemas.microsoft.com/office/drawing/2014/main" id="{48E1D223-F236-9F42-759F-3E7F66C9BE66}"/>
-              </a:ext>
-            </a:extLst>
-          </p:cNvPr>
-          <p:cNvSpPr/>
-          <p:nvPr/>
-        </p:nvSpPr>
-        <p:spPr>
-          <a:xfrm>
-            <a:off x="15528131" y="15682421"/>
-            <a:ext cx="13974938" cy="22418300"/>
-          </a:xfrm>
-          <a:prstGeom prst="roundRect">
-            <a:avLst>
-              <a:gd name="adj" fmla="val 2753"/>
-            </a:avLst>
-          </a:prstGeom>
-          <a:solidFill>
-            <a:schemeClr val="bg1">
-              <a:lumMod val="95000"/>
-            </a:schemeClr>
-          </a:solidFill>
-          <a:ln>
-            <a:noFill/>
-          </a:ln>
-        </p:spPr>
-        <p:style>
-          <a:lnRef idx="2">
-            <a:schemeClr val="accent1">
-              <a:shade val="15000"/>
-            </a:schemeClr>
-          </a:lnRef>
-          <a:fillRef idx="1">
-            <a:schemeClr val="accent1"/>
-          </a:fillRef>
-          <a:effectRef idx="0">
-            <a:schemeClr val="accent1"/>
-          </a:effectRef>
-          <a:fontRef idx="minor">
-            <a:schemeClr val="lt1"/>
-          </a:fontRef>
-        </p:style>
-        <p:txBody>
-          <a:bodyPr rtlCol="0" anchor="ctr"/>
-          <a:lstStyle/>
-          <a:p>
-            <a:pPr algn="ctr"/>
-            <a:endParaRPr lang="en-JP" dirty="0"/>
-          </a:p>
-        </p:txBody>
-      </p:sp>
-      <p:sp>
-        <p:nvSpPr>
-          <p:cNvPr id="33" name="Rounded Rectangle 1276">
-            <a:extLst>
-              <a:ext uri="{FF2B5EF4-FFF2-40B4-BE49-F238E27FC236}">
-                <a16:creationId xmlns:a16="http://schemas.microsoft.com/office/drawing/2014/main" id="{0BEBD9B4-C288-53D2-87A2-D57EFC692687}"/>
-              </a:ext>
-            </a:extLst>
-          </p:cNvPr>
-          <p:cNvSpPr/>
-          <p:nvPr/>
-        </p:nvSpPr>
-        <p:spPr>
-          <a:xfrm>
-            <a:off x="1039552" y="38727377"/>
-            <a:ext cx="28394332" cy="2673709"/>
-          </a:xfrm>
-          <a:prstGeom prst="roundRect">
-            <a:avLst>
-              <a:gd name="adj" fmla="val 15065"/>
-            </a:avLst>
-          </a:prstGeom>
-          <a:solidFill>
-            <a:schemeClr val="bg1">
-              <a:lumMod val="95000"/>
-            </a:schemeClr>
-          </a:solidFill>
-          <a:ln>
-            <a:noFill/>
-          </a:ln>
-        </p:spPr>
-        <p:style>
-          <a:lnRef idx="2">
-            <a:schemeClr val="accent1">
-              <a:shade val="15000"/>
-            </a:schemeClr>
-          </a:lnRef>
-          <a:fillRef idx="1">
-            <a:schemeClr val="accent1"/>
-          </a:fillRef>
-          <a:effectRef idx="0">
-            <a:schemeClr val="accent1"/>
-          </a:effectRef>
-          <a:fontRef idx="minor">
-            <a:schemeClr val="lt1"/>
-          </a:fontRef>
-        </p:style>
-        <p:txBody>
-          <a:bodyPr rtlCol="0" anchor="ctr"/>
-          <a:lstStyle/>
-          <a:p>
-            <a:pPr algn="ctr"/>
-            <a:endParaRPr lang="en-JP"/>
-          </a:p>
-        </p:txBody>
-      </p:sp>
-      <p:sp>
-        <p:nvSpPr>
-          <p:cNvPr id="37" name="Rectangle 22">
-            <a:extLst>
-              <a:ext uri="{FF2B5EF4-FFF2-40B4-BE49-F238E27FC236}">
-                <a16:creationId xmlns:a16="http://schemas.microsoft.com/office/drawing/2014/main" id="{AC1E8311-21B8-F56C-CFF8-D1FA0BC826EC}"/>
-              </a:ext>
-            </a:extLst>
-          </p:cNvPr>
-          <p:cNvSpPr/>
-          <p:nvPr/>
-        </p:nvSpPr>
-        <p:spPr>
-          <a:xfrm>
-            <a:off x="1059655" y="15642013"/>
-            <a:ext cx="13974939" cy="1051103"/>
-          </a:xfrm>
-          <a:prstGeom prst="rect">
-            <a:avLst/>
-          </a:prstGeom>
-          <a:solidFill>
-            <a:schemeClr val="tx2"/>
-          </a:solidFill>
-          <a:ln>
-            <a:noFill/>
-          </a:ln>
-        </p:spPr>
-        <p:style>
-          <a:lnRef idx="2">
-            <a:schemeClr val="accent1">
-              <a:shade val="15000"/>
-            </a:schemeClr>
-          </a:lnRef>
-          <a:fillRef idx="1">
-            <a:schemeClr val="accent1"/>
-          </a:fillRef>
-          <a:effectRef idx="0">
-            <a:schemeClr val="accent1"/>
-          </a:effectRef>
-          <a:fontRef idx="minor">
-            <a:schemeClr val="lt1"/>
-          </a:fontRef>
-        </p:style>
-        <p:txBody>
-          <a:bodyPr rtlCol="0" anchor="ctr"/>
-          <a:lstStyle/>
-          <a:p>
-            <a:endParaRPr lang="en-JP" sz="4400" b="1" dirty="0"/>
-          </a:p>
-        </p:txBody>
-      </p:sp>
-      <p:sp>
-        <p:nvSpPr>
-          <p:cNvPr id="38" name="Rectangle 22">
-            <a:extLst>
-              <a:ext uri="{FF2B5EF4-FFF2-40B4-BE49-F238E27FC236}">
-                <a16:creationId xmlns:a16="http://schemas.microsoft.com/office/drawing/2014/main" id="{F2686EEB-692C-32FC-CB2B-66CF4EF03F93}"/>
-              </a:ext>
-            </a:extLst>
-          </p:cNvPr>
-          <p:cNvSpPr/>
-          <p:nvPr/>
-        </p:nvSpPr>
-        <p:spPr>
-          <a:xfrm>
-            <a:off x="15545415" y="15642013"/>
-            <a:ext cx="13974939" cy="1051102"/>
-          </a:xfrm>
-          <a:prstGeom prst="rect">
-            <a:avLst/>
-          </a:prstGeom>
-          <a:solidFill>
-            <a:schemeClr val="tx2"/>
-          </a:solidFill>
-          <a:ln>
-            <a:noFill/>
-          </a:ln>
-        </p:spPr>
-        <p:style>
-          <a:lnRef idx="2">
-            <a:schemeClr val="accent1">
-              <a:shade val="15000"/>
-            </a:schemeClr>
-          </a:lnRef>
-          <a:fillRef idx="1">
-            <a:schemeClr val="accent1"/>
-          </a:fillRef>
-          <a:effectRef idx="0">
-            <a:schemeClr val="accent1"/>
-          </a:effectRef>
-          <a:fontRef idx="minor">
-            <a:schemeClr val="lt1"/>
-          </a:fontRef>
-        </p:style>
-        <p:txBody>
-          <a:bodyPr rtlCol="0" anchor="ctr"/>
-          <a:lstStyle/>
-          <a:p>
-            <a:pPr algn="ctr"/>
-            <a:endParaRPr lang="en-JP" dirty="0"/>
-          </a:p>
-        </p:txBody>
-      </p:sp>
-      <p:sp>
-        <p:nvSpPr>
-          <p:cNvPr id="41" name="テキスト ボックス 40">
-            <a:extLst>
-              <a:ext uri="{FF2B5EF4-FFF2-40B4-BE49-F238E27FC236}">
-                <a16:creationId xmlns:a16="http://schemas.microsoft.com/office/drawing/2014/main" id="{5F21EAA5-63A5-24BD-E7D9-235F1ED380DB}"/>
-              </a:ext>
-            </a:extLst>
-          </p:cNvPr>
-          <p:cNvSpPr txBox="1"/>
-          <p:nvPr/>
-        </p:nvSpPr>
-        <p:spPr>
-          <a:xfrm>
-            <a:off x="1543049" y="15934731"/>
-            <a:ext cx="4596997" cy="984885"/>
-          </a:xfrm>
-          <a:prstGeom prst="rect">
-            <a:avLst/>
-          </a:prstGeom>
-          <a:noFill/>
-        </p:spPr>
-        <p:txBody>
-          <a:bodyPr wrap="square" rtlCol="0">
-            <a:spAutoFit/>
-          </a:bodyPr>
-          <a:lstStyle/>
-          <a:p>
-            <a:r>
-              <a:rPr lang="ja-JP" altLang="en-US" sz="4000" b="1">
+              <a:endParaRPr lang="en-JP" altLang="ja-JP" sz="4000" b="1">
                 <a:solidFill>
                   <a:schemeClr val="bg1"/>
                 </a:solidFill>
                 <a:latin typeface="Meiryo" panose="020B0604030504040204" pitchFamily="34" charset="-128"/>
                 <a:ea typeface="Meiryo" panose="020B0604030504040204" pitchFamily="34" charset="-128"/>
-              </a:rPr>
-              <a:t>状態推定器</a:t>
-            </a:r>
-            <a:endParaRPr lang="en-JP" altLang="ja-JP" sz="4000" b="1">
-              <a:solidFill>
-                <a:schemeClr val="bg1"/>
-              </a:solidFill>
-              <a:latin typeface="Meiryo" panose="020B0604030504040204" pitchFamily="34" charset="-128"/>
-              <a:ea typeface="Meiryo" panose="020B0604030504040204" pitchFamily="34" charset="-128"/>
-            </a:endParaRPr>
-          </a:p>
-          <a:p>
-            <a:endParaRPr kumimoji="1" lang="ja-JP" altLang="en-US"/>
-          </a:p>
-        </p:txBody>
-      </p:sp>
-      <p:sp>
-        <p:nvSpPr>
-          <p:cNvPr id="42" name="テキスト ボックス 41">
-            <a:extLst>
-              <a:ext uri="{FF2B5EF4-FFF2-40B4-BE49-F238E27FC236}">
-                <a16:creationId xmlns:a16="http://schemas.microsoft.com/office/drawing/2014/main" id="{A2FAF325-6D49-585A-4E0D-075787FAB8E2}"/>
-              </a:ext>
-            </a:extLst>
-          </p:cNvPr>
-          <p:cNvSpPr txBox="1"/>
-          <p:nvPr/>
-        </p:nvSpPr>
-        <p:spPr>
-          <a:xfrm>
-            <a:off x="16068077" y="15934731"/>
-            <a:ext cx="4596997" cy="984885"/>
-          </a:xfrm>
-          <a:prstGeom prst="rect">
-            <a:avLst/>
-          </a:prstGeom>
-          <a:noFill/>
-        </p:spPr>
-        <p:txBody>
-          <a:bodyPr wrap="square" rtlCol="0">
-            <a:spAutoFit/>
-          </a:bodyPr>
-          <a:lstStyle/>
-          <a:p>
-            <a:r>
-              <a:rPr lang="ja-JP" altLang="en-US" sz="4000" b="1">
-                <a:solidFill>
-                  <a:schemeClr val="bg1"/>
-                </a:solidFill>
-                <a:latin typeface="Meiryo" panose="020B0604030504040204" pitchFamily="34" charset="-128"/>
-                <a:ea typeface="Meiryo" panose="020B0604030504040204" pitchFamily="34" charset="-128"/>
-              </a:rPr>
-              <a:t>結果</a:t>
-            </a:r>
-            <a:endParaRPr lang="en-JP" altLang="ja-JP" sz="4000" b="1">
-              <a:solidFill>
-                <a:schemeClr val="bg1"/>
-              </a:solidFill>
-              <a:latin typeface="Meiryo" panose="020B0604030504040204" pitchFamily="34" charset="-128"/>
-              <a:ea typeface="Meiryo" panose="020B0604030504040204" pitchFamily="34" charset="-128"/>
-            </a:endParaRPr>
-          </a:p>
-          <a:p>
-            <a:endParaRPr kumimoji="1" lang="ja-JP" altLang="en-US"/>
-          </a:p>
-        </p:txBody>
-      </p:sp>
+              </a:endParaRPr>
+            </a:p>
+            <a:p>
+              <a:endParaRPr kumimoji="1" lang="ja-JP" altLang="en-US"/>
+            </a:p>
+          </p:txBody>
+        </p:sp>
+      </p:grpSp>
       <p:sp>
         <p:nvSpPr>
           <p:cNvPr id="43" name="テキスト ボックス 42">
@@ -42041,6 +42274,60 @@
               <a:rPr kumimoji="1" lang="ja-JP" altLang="en-US" sz="3200"/>
               <a:t>カルマンフィルタ</a:t>
             </a:r>
+          </a:p>
+        </p:txBody>
+      </p:sp>
+      <p:sp>
+        <p:nvSpPr>
+          <p:cNvPr id="27" name="正方形/長方形 26">
+            <a:extLst>
+              <a:ext uri="{FF2B5EF4-FFF2-40B4-BE49-F238E27FC236}">
+                <a16:creationId xmlns:a16="http://schemas.microsoft.com/office/drawing/2014/main" id="{27EB400A-B8C6-078A-6807-39F08CE37BC9}"/>
+              </a:ext>
+            </a:extLst>
+          </p:cNvPr>
+          <p:cNvSpPr/>
+          <p:nvPr/>
+        </p:nvSpPr>
+        <p:spPr>
+          <a:xfrm>
+            <a:off x="1022268" y="38140289"/>
+            <a:ext cx="28460699" cy="3099769"/>
+          </a:xfrm>
+          <a:prstGeom prst="rect">
+            <a:avLst/>
+          </a:prstGeom>
+          <a:solidFill>
+            <a:schemeClr val="bg1">
+              <a:lumMod val="95000"/>
+            </a:schemeClr>
+          </a:solidFill>
+          <a:ln>
+            <a:noFill/>
+          </a:ln>
+        </p:spPr>
+        <p:style>
+          <a:lnRef idx="2">
+            <a:schemeClr val="accent1">
+              <a:shade val="15000"/>
+            </a:schemeClr>
+          </a:lnRef>
+          <a:fillRef idx="1">
+            <a:schemeClr val="accent1"/>
+          </a:fillRef>
+          <a:effectRef idx="0">
+            <a:schemeClr val="accent1"/>
+          </a:effectRef>
+          <a:fontRef idx="minor">
+            <a:schemeClr val="lt1"/>
+          </a:fontRef>
+        </p:style>
+        <p:txBody>
+          <a:bodyPr rtlCol="0" anchor="ctr"/>
+          <a:lstStyle/>
+          <a:p>
+            <a:pPr algn="ctr"/>
+            <a:endParaRPr kumimoji="1" lang="ja-JP" altLang="en-US"/>
           </a:p>
         </p:txBody>
       </p:sp>

--- a/poster.pptx
+++ b/poster.pptx
@@ -227,7 +227,7 @@
           <a:p>
             <a:fld id="{6744F44F-C54D-4C9B-8D0A-99995B90894A}" type="datetimeFigureOut">
               <a:rPr kumimoji="1" lang="ja-JP" altLang="en-US" smtClean="0"/>
-              <a:t>2025/10/23</a:t>
+              <a:t>2025/10/24</a:t>
             </a:fld>
             <a:endParaRPr kumimoji="1" lang="ja-JP" altLang="en-US"/>
           </a:p>
@@ -408,7 +408,7 @@
           <a:p>
             <a:fld id="{66AD0D6B-84F8-0A45-ADC1-3C71FDF4AF14}" type="datetimeFigureOut">
               <a:rPr lang="en-JP" smtClean="0"/>
-              <a:t>10/23/2025</a:t>
+              <a:t>10/24/2025</a:t>
             </a:fld>
             <a:endParaRPr lang="en-JP"/>
           </a:p>
@@ -824,7 +824,7 @@
           <a:p>
             <a:fld id="{349FECF2-E9B2-44FB-B3C1-6F1ABD30BEDF}" type="datetime1">
               <a:rPr lang="LID4096" altLang="ja-JP" smtClean="0"/>
-              <a:t>10/23/2025</a:t>
+              <a:t>10/24/2025</a:t>
             </a:fld>
             <a:endParaRPr lang="en-JP"/>
           </a:p>
@@ -1054,7 +1054,7 @@
           <a:p>
             <a:fld id="{E1716868-4E8C-4E9E-B32E-86466688C38E}" type="datetime1">
               <a:rPr lang="LID4096" altLang="ja-JP" smtClean="0"/>
-              <a:t>10/23/2025</a:t>
+              <a:t>10/24/2025</a:t>
             </a:fld>
             <a:endParaRPr lang="en-JP"/>
           </a:p>
@@ -1294,7 +1294,7 @@
           <a:p>
             <a:fld id="{02619D8D-BF18-40AE-BFF4-DB66FCFC9271}" type="datetime1">
               <a:rPr lang="LID4096" altLang="ja-JP" smtClean="0"/>
-              <a:t>10/23/2025</a:t>
+              <a:t>10/24/2025</a:t>
             </a:fld>
             <a:endParaRPr lang="en-JP"/>
           </a:p>
@@ -1524,7 +1524,7 @@
           <a:p>
             <a:fld id="{09202299-8DBC-4245-87C6-3E62A2ACA6A6}" type="datetime1">
               <a:rPr lang="LID4096" altLang="ja-JP" smtClean="0"/>
-              <a:t>10/23/2025</a:t>
+              <a:t>10/24/2025</a:t>
             </a:fld>
             <a:endParaRPr lang="en-JP"/>
           </a:p>
@@ -1799,7 +1799,7 @@
           <a:p>
             <a:fld id="{39490C1E-006A-471F-A583-7AAA8224009B}" type="datetime1">
               <a:rPr lang="LID4096" altLang="ja-JP" smtClean="0"/>
-              <a:t>10/23/2025</a:t>
+              <a:t>10/24/2025</a:t>
             </a:fld>
             <a:endParaRPr lang="en-JP"/>
           </a:p>
@@ -2128,7 +2128,7 @@
           <a:p>
             <a:fld id="{8F14F39A-FAA3-4B27-BC07-2AA343CBE051}" type="datetime1">
               <a:rPr lang="LID4096" altLang="ja-JP" smtClean="0"/>
-              <a:t>10/23/2025</a:t>
+              <a:t>10/24/2025</a:t>
             </a:fld>
             <a:endParaRPr lang="en-JP"/>
           </a:p>
@@ -2604,7 +2604,7 @@
           <a:p>
             <a:fld id="{350AD22A-55F2-4547-A5CA-A5A999E6556D}" type="datetime1">
               <a:rPr lang="LID4096" altLang="ja-JP" smtClean="0"/>
-              <a:t>10/23/2025</a:t>
+              <a:t>10/24/2025</a:t>
             </a:fld>
             <a:endParaRPr lang="en-JP"/>
           </a:p>
@@ -2745,7 +2745,7 @@
           <a:p>
             <a:fld id="{D1E7EEDF-E3BE-4535-8538-9CF15E9FEAAB}" type="datetime1">
               <a:rPr lang="LID4096" altLang="ja-JP" smtClean="0"/>
-              <a:t>10/23/2025</a:t>
+              <a:t>10/24/2025</a:t>
             </a:fld>
             <a:endParaRPr lang="en-JP"/>
           </a:p>
@@ -2858,7 +2858,7 @@
           <a:p>
             <a:fld id="{C90845DA-CECE-4290-9A52-6E01FD60E4F0}" type="datetime1">
               <a:rPr lang="LID4096" altLang="ja-JP" smtClean="0"/>
-              <a:t>10/23/2025</a:t>
+              <a:t>10/24/2025</a:t>
             </a:fld>
             <a:endParaRPr lang="en-JP"/>
           </a:p>
@@ -3201,7 +3201,7 @@
           <a:p>
             <a:fld id="{66506D8A-3A14-4426-A8F0-6A46E306C20B}" type="datetime1">
               <a:rPr lang="LID4096" altLang="ja-JP" smtClean="0"/>
-              <a:t>10/23/2025</a:t>
+              <a:t>10/24/2025</a:t>
             </a:fld>
             <a:endParaRPr lang="en-JP"/>
           </a:p>
@@ -3489,7 +3489,7 @@
           <a:p>
             <a:fld id="{CE7E1F37-E86F-4380-AB65-0EB41FBEEA80}" type="datetime1">
               <a:rPr lang="LID4096" altLang="ja-JP" smtClean="0"/>
-              <a:t>10/23/2025</a:t>
+              <a:t>10/24/2025</a:t>
             </a:fld>
             <a:endParaRPr lang="en-JP"/>
           </a:p>
@@ -3762,7 +3762,7 @@
           <a:p>
             <a:fld id="{1B4F68B4-EECE-4B65-B2C5-259CAB63F02A}" type="datetime1">
               <a:rPr lang="LID4096" altLang="ja-JP" smtClean="0"/>
-              <a:t>10/23/2025</a:t>
+              <a:t>10/24/2025</a:t>
             </a:fld>
             <a:endParaRPr lang="en-JP"/>
           </a:p>
@@ -5005,8 +5005,8 @@
         </p:nvSpPr>
         <p:spPr>
           <a:xfrm>
-            <a:off x="15497517" y="10968287"/>
-            <a:ext cx="13651703" cy="6786313"/>
+            <a:off x="15654865" y="11185395"/>
+            <a:ext cx="13651703" cy="27035092"/>
           </a:xfrm>
           <a:prstGeom prst="rect">
             <a:avLst/>
@@ -5764,7 +5764,7 @@
         </p:nvSpPr>
         <p:spPr>
           <a:xfrm>
-            <a:off x="1032563" y="41100136"/>
+            <a:off x="1125830" y="41315846"/>
             <a:ext cx="26490670" cy="338554"/>
           </a:xfrm>
           <a:prstGeom prst="rect">
@@ -5854,8 +5854,8 @@
         </p:nvSpPr>
         <p:spPr>
           <a:xfrm>
-            <a:off x="1125830" y="38422698"/>
-            <a:ext cx="27965400" cy="2587128"/>
+            <a:off x="1125830" y="38422697"/>
+            <a:ext cx="27965400" cy="2803483"/>
           </a:xfrm>
           <a:prstGeom prst="rect">
             <a:avLst/>
@@ -5988,197 +5988,6 @@
       </p:sp>
       <p:sp>
         <p:nvSpPr>
-          <p:cNvPr id="360" name="テキスト ボックス 359">
-            <a:extLst>
-              <a:ext uri="{FF2B5EF4-FFF2-40B4-BE49-F238E27FC236}">
-                <a16:creationId xmlns:a16="http://schemas.microsoft.com/office/drawing/2014/main" id="{77BBED07-78CB-FAEB-73F1-B4BC11424993}"/>
-              </a:ext>
-            </a:extLst>
-          </p:cNvPr>
-          <p:cNvSpPr txBox="1"/>
-          <p:nvPr/>
-        </p:nvSpPr>
-        <p:spPr>
-          <a:xfrm>
-            <a:off x="16297987" y="23509524"/>
-            <a:ext cx="13658850" cy="1214586"/>
-          </a:xfrm>
-          <a:prstGeom prst="rect">
-            <a:avLst/>
-          </a:prstGeom>
-          <a:noFill/>
-        </p:spPr>
-        <p:txBody>
-          <a:bodyPr wrap="square" rtlCol="0">
-            <a:spAutoFit/>
-          </a:bodyPr>
-          <a:lstStyle/>
-          <a:p>
-            <a:r>
-              <a:rPr kumimoji="1" lang="ja-JP" altLang="en-US" sz="3200" dirty="0"/>
-              <a:t>数値</a:t>
-            </a:r>
-            <a:r>
-              <a:rPr kumimoji="1" lang="ja-JP" altLang="en-US" sz="3600" dirty="0"/>
-              <a:t>実験をするときは、切り替えタイミングは事前にわかっていると仮定している。食事入力より入力</a:t>
-            </a:r>
-            <a:r>
-              <a:rPr kumimoji="1" lang="en-US" altLang="ja-JP" sz="3600" dirty="0"/>
-              <a:t>Ra</a:t>
-            </a:r>
-            <a:r>
-              <a:rPr lang="ja-JP" altLang="en-US" sz="3600" dirty="0"/>
-              <a:t>が事前にわかっている</a:t>
-            </a:r>
-            <a:endParaRPr kumimoji="1" lang="ja-JP" altLang="en-US" sz="3600" dirty="0"/>
-          </a:p>
-        </p:txBody>
-      </p:sp>
-      <p:sp>
-        <p:nvSpPr>
-          <p:cNvPr id="361" name="テキスト ボックス 360">
-            <a:extLst>
-              <a:ext uri="{FF2B5EF4-FFF2-40B4-BE49-F238E27FC236}">
-                <a16:creationId xmlns:a16="http://schemas.microsoft.com/office/drawing/2014/main" id="{E7C1946A-582A-6803-5B2C-BADC43E25145}"/>
-              </a:ext>
-            </a:extLst>
-          </p:cNvPr>
-          <p:cNvSpPr txBox="1"/>
-          <p:nvPr/>
-        </p:nvSpPr>
-        <p:spPr>
-          <a:xfrm>
-            <a:off x="16297987" y="24929048"/>
-            <a:ext cx="12392526" cy="3539430"/>
-          </a:xfrm>
-          <a:prstGeom prst="rect">
-            <a:avLst/>
-          </a:prstGeom>
-          <a:noFill/>
-        </p:spPr>
-        <p:txBody>
-          <a:bodyPr wrap="square" rtlCol="0">
-            <a:spAutoFit/>
-          </a:bodyPr>
-          <a:lstStyle/>
-          <a:p>
-            <a:r>
-              <a:rPr lang="ja-JP" altLang="en-US" sz="2800" dirty="0">
-                <a:latin typeface="Meiryo" panose="020B0604030504040204" pitchFamily="34" charset="-128"/>
-                <a:ea typeface="Meiryo" panose="020B0604030504040204" pitchFamily="34" charset="-128"/>
-              </a:rPr>
-              <a:t>状態推定に用いる実データは</a:t>
-            </a:r>
-            <a:r>
-              <a:rPr lang="en-US" altLang="ja-JP" sz="2800" dirty="0">
-                <a:latin typeface="Meiryo" panose="020B0604030504040204" pitchFamily="34" charset="-128"/>
-                <a:ea typeface="Meiryo" panose="020B0604030504040204" pitchFamily="34" charset="-128"/>
-              </a:rPr>
-              <a:t>UVA/Padova</a:t>
-            </a:r>
-            <a:r>
-              <a:rPr lang="ja-JP" altLang="en-US" sz="2800" dirty="0">
-                <a:latin typeface="Meiryo" panose="020B0604030504040204" pitchFamily="34" charset="-128"/>
-                <a:ea typeface="Meiryo" panose="020B0604030504040204" pitchFamily="34" charset="-128"/>
-              </a:rPr>
-              <a:t>モデルからなる</a:t>
-            </a:r>
-            <a:r>
-              <a:rPr lang="en-US" altLang="ja-JP" sz="2800" dirty="0">
-                <a:latin typeface="Meiryo" panose="020B0604030504040204" pitchFamily="34" charset="-128"/>
-                <a:ea typeface="Meiryo" panose="020B0604030504040204" pitchFamily="34" charset="-128"/>
-              </a:rPr>
-              <a:t>UVA/Padova</a:t>
-            </a:r>
-            <a:r>
-              <a:rPr lang="ja-JP" altLang="en-US" sz="2800" dirty="0">
-                <a:latin typeface="Meiryo" panose="020B0604030504040204" pitchFamily="34" charset="-128"/>
-                <a:ea typeface="Meiryo" panose="020B0604030504040204" pitchFamily="34" charset="-128"/>
-              </a:rPr>
-              <a:t>　</a:t>
-            </a:r>
-            <a:r>
-              <a:rPr lang="en-US" altLang="ja-JP" sz="2800" dirty="0">
-                <a:latin typeface="Meiryo" panose="020B0604030504040204" pitchFamily="34" charset="-128"/>
-                <a:ea typeface="Meiryo" panose="020B0604030504040204" pitchFamily="34" charset="-128"/>
-              </a:rPr>
-              <a:t>T1DM</a:t>
-            </a:r>
-            <a:r>
-              <a:rPr lang="ja-JP" altLang="en-US" sz="2800" dirty="0">
-                <a:latin typeface="Meiryo" panose="020B0604030504040204" pitchFamily="34" charset="-128"/>
-                <a:ea typeface="Meiryo" panose="020B0604030504040204" pitchFamily="34" charset="-128"/>
-              </a:rPr>
-              <a:t>シミュレータより作成する。状態推定器として，線形システムに対するオブザーバと拡張カルマンフィルタの２つを構築し，比較する．</a:t>
-            </a:r>
-            <a:endParaRPr lang="en-US" altLang="ja-JP" sz="2800" dirty="0">
-              <a:latin typeface="Meiryo" panose="020B0604030504040204" pitchFamily="34" charset="-128"/>
-              <a:ea typeface="Meiryo" panose="020B0604030504040204" pitchFamily="34" charset="-128"/>
-            </a:endParaRPr>
-          </a:p>
-          <a:p>
-            <a:r>
-              <a:rPr lang="ja-JP" altLang="en-US" sz="2800" dirty="0">
-                <a:latin typeface="Meiryo" panose="020B0604030504040204" pitchFamily="34" charset="-128"/>
-                <a:ea typeface="Meiryo" panose="020B0604030504040204" pitchFamily="34" charset="-128"/>
-              </a:rPr>
-              <a:t>ただし，以下の仮定を設ける．</a:t>
-            </a:r>
-            <a:endParaRPr lang="en-US" altLang="ja-JP" sz="2800" dirty="0">
-              <a:latin typeface="Meiryo" panose="020B0604030504040204" pitchFamily="34" charset="-128"/>
-              <a:ea typeface="Meiryo" panose="020B0604030504040204" pitchFamily="34" charset="-128"/>
-            </a:endParaRPr>
-          </a:p>
-          <a:p>
-            <a:pPr marL="457200" indent="-457200">
-              <a:buFont typeface="Arial" panose="020B0604020202020204" pitchFamily="34" charset="0"/>
-              <a:buChar char="•"/>
-            </a:pPr>
-            <a:r>
-              <a:rPr lang="ja-JP" altLang="en-US" sz="2800" dirty="0">
-                <a:latin typeface="Meiryo" panose="020B0604030504040204" pitchFamily="34" charset="-128"/>
-                <a:ea typeface="Meiryo" panose="020B0604030504040204" pitchFamily="34" charset="-128"/>
-              </a:rPr>
-              <a:t>パラメータ推定は良くできている</a:t>
-            </a:r>
-            <a:endParaRPr lang="en-US" altLang="ja-JP" sz="2800" dirty="0">
-              <a:latin typeface="Meiryo" panose="020B0604030504040204" pitchFamily="34" charset="-128"/>
-              <a:ea typeface="Meiryo" panose="020B0604030504040204" pitchFamily="34" charset="-128"/>
-            </a:endParaRPr>
-          </a:p>
-          <a:p>
-            <a:pPr marL="457200" indent="-457200">
-              <a:buFont typeface="Arial" panose="020B0604020202020204" pitchFamily="34" charset="0"/>
-              <a:buChar char="•"/>
-            </a:pPr>
-            <a:r>
-              <a:rPr lang="ja-JP" altLang="en-US" sz="2800" dirty="0">
-                <a:latin typeface="Meiryo" panose="020B0604030504040204" pitchFamily="34" charset="-128"/>
-                <a:ea typeface="Meiryo" panose="020B0604030504040204" pitchFamily="34" charset="-128"/>
-              </a:rPr>
-              <a:t>切り換え項を含む状態については，簡単のため既知の状態として扱う．</a:t>
-            </a:r>
-            <a:endParaRPr lang="en-US" altLang="ja-JP" sz="2800" dirty="0">
-              <a:latin typeface="Meiryo" panose="020B0604030504040204" pitchFamily="34" charset="-128"/>
-              <a:ea typeface="Meiryo" panose="020B0604030504040204" pitchFamily="34" charset="-128"/>
-            </a:endParaRPr>
-          </a:p>
-          <a:p>
-            <a:endParaRPr lang="ja-JP" altLang="en-US" sz="2800" dirty="0">
-              <a:latin typeface="Meiryo" panose="020B0604030504040204" pitchFamily="34" charset="-128"/>
-              <a:ea typeface="Meiryo" panose="020B0604030504040204" pitchFamily="34" charset="-128"/>
-            </a:endParaRPr>
-          </a:p>
-          <a:p>
-            <a:endParaRPr kumimoji="1" lang="ja-JP" altLang="en-US" sz="2800" dirty="0">
-              <a:latin typeface="メイリオ" panose="020B0604030504040204" pitchFamily="50" charset="-128"/>
-              <a:ea typeface="メイリオ" panose="020B0604030504040204" pitchFamily="50" charset="-128"/>
-            </a:endParaRPr>
-          </a:p>
-        </p:txBody>
-      </p:sp>
-      <p:sp>
-        <p:nvSpPr>
           <p:cNvPr id="362" name="テキスト ボックス 361">
             <a:extLst>
               <a:ext uri="{FF2B5EF4-FFF2-40B4-BE49-F238E27FC236}">
@@ -6531,7 +6340,7 @@
         <p:spPr>
           <a:xfrm>
             <a:off x="15927719" y="11412000"/>
-            <a:ext cx="10666081" cy="769441"/>
+            <a:ext cx="10666081" cy="923330"/>
           </a:xfrm>
           <a:prstGeom prst="rect">
             <a:avLst/>
@@ -6545,7 +6354,7 @@
           <a:lstStyle/>
           <a:p>
             <a:r>
-              <a:rPr lang="ja-JP" altLang="en-US" sz="4400" b="1" dirty="0">
+              <a:rPr lang="ja-JP" altLang="en-US" sz="5400" b="1" dirty="0">
                 <a:solidFill>
                   <a:schemeClr val="tx2">
                     <a:lumMod val="90000"/>
@@ -6555,7 +6364,7 @@
                 <a:latin typeface="メイリオ" panose="020B0604030504040204" pitchFamily="50" charset="-128"/>
                 <a:ea typeface="メイリオ" panose="020B0604030504040204" pitchFamily="50" charset="-128"/>
               </a:rPr>
-              <a:t>状態推定器（拡張カルマンフィルタ）</a:t>
+              <a:t>結果</a:t>
             </a:r>
             <a:endParaRPr lang="en-US" altLang="ja-JP" sz="4400" b="1" dirty="0">
               <a:solidFill>
@@ -6592,7 +6401,7 @@
         </p:blipFill>
         <p:spPr>
           <a:xfrm>
-            <a:off x="2333124" y="35185356"/>
+            <a:off x="2333123" y="35538407"/>
             <a:ext cx="11255893" cy="2428497"/>
           </a:xfrm>
           <a:prstGeom prst="rect">
@@ -6639,6 +6448,726 @@
           </a:fontRef>
         </p:style>
       </p:cxnSp>
+      <p:pic>
+        <p:nvPicPr>
+          <p:cNvPr id="3" name="図 2" descr="グラフ&#10;&#10;AI 生成コンテンツは誤りを含む可能性があります。">
+            <a:extLst>
+              <a:ext uri="{FF2B5EF4-FFF2-40B4-BE49-F238E27FC236}">
+                <a16:creationId xmlns:a16="http://schemas.microsoft.com/office/drawing/2014/main" id="{062B7DC3-1B88-5B8C-9045-7D0A739657E2}"/>
+              </a:ext>
+            </a:extLst>
+          </p:cNvPr>
+          <p:cNvPicPr>
+            <a:picLocks noChangeAspect="1"/>
+          </p:cNvPicPr>
+          <p:nvPr/>
+        </p:nvPicPr>
+        <p:blipFill>
+          <a:blip r:embed="rId5"/>
+          <a:stretch>
+            <a:fillRect/>
+          </a:stretch>
+        </p:blipFill>
+        <p:spPr>
+          <a:xfrm>
+            <a:off x="15468607" y="16292798"/>
+            <a:ext cx="4486285" cy="3480528"/>
+          </a:xfrm>
+          <a:prstGeom prst="rect">
+            <a:avLst/>
+          </a:prstGeom>
+        </p:spPr>
+      </p:pic>
+      <p:pic>
+        <p:nvPicPr>
+          <p:cNvPr id="9" name="図 8" descr="グラフ, 折れ線グラフ&#10;&#10;AI 生成コンテンツは誤りを含む可能性があります。">
+            <a:extLst>
+              <a:ext uri="{FF2B5EF4-FFF2-40B4-BE49-F238E27FC236}">
+                <a16:creationId xmlns:a16="http://schemas.microsoft.com/office/drawing/2014/main" id="{213D3F2E-4D2F-76DE-9E7F-2F39606F6270}"/>
+              </a:ext>
+            </a:extLst>
+          </p:cNvPr>
+          <p:cNvPicPr>
+            <a:picLocks noChangeAspect="1"/>
+          </p:cNvPicPr>
+          <p:nvPr/>
+        </p:nvPicPr>
+        <p:blipFill>
+          <a:blip r:embed="rId6"/>
+          <a:stretch>
+            <a:fillRect/>
+          </a:stretch>
+        </p:blipFill>
+        <p:spPr>
+          <a:xfrm>
+            <a:off x="19954892" y="16240425"/>
+            <a:ext cx="4431426" cy="3578056"/>
+          </a:xfrm>
+          <a:prstGeom prst="rect">
+            <a:avLst/>
+          </a:prstGeom>
+        </p:spPr>
+      </p:pic>
+      <p:pic>
+        <p:nvPicPr>
+          <p:cNvPr id="11" name="図 10" descr="グラフ&#10;&#10;AI 生成コンテンツは誤りを含む可能性があります。">
+            <a:extLst>
+              <a:ext uri="{FF2B5EF4-FFF2-40B4-BE49-F238E27FC236}">
+                <a16:creationId xmlns:a16="http://schemas.microsoft.com/office/drawing/2014/main" id="{1EE8DB0F-73BA-5E0C-03D5-FDED827CFEDD}"/>
+              </a:ext>
+            </a:extLst>
+          </p:cNvPr>
+          <p:cNvPicPr>
+            <a:picLocks noChangeAspect="1"/>
+          </p:cNvPicPr>
+          <p:nvPr/>
+        </p:nvPicPr>
+        <p:blipFill>
+          <a:blip r:embed="rId7"/>
+          <a:stretch>
+            <a:fillRect/>
+          </a:stretch>
+        </p:blipFill>
+        <p:spPr>
+          <a:xfrm>
+            <a:off x="15468607" y="20177749"/>
+            <a:ext cx="4547240" cy="3480528"/>
+          </a:xfrm>
+          <a:prstGeom prst="rect">
+            <a:avLst/>
+          </a:prstGeom>
+        </p:spPr>
+      </p:pic>
+      <p:pic>
+        <p:nvPicPr>
+          <p:cNvPr id="19" name="図 18" descr="グラフ, 折れ線グラフ, ヒストグラム&#10;&#10;AI 生成コンテンツは誤りを含む可能性があります。">
+            <a:extLst>
+              <a:ext uri="{FF2B5EF4-FFF2-40B4-BE49-F238E27FC236}">
+                <a16:creationId xmlns:a16="http://schemas.microsoft.com/office/drawing/2014/main" id="{7244FACF-B9CF-A250-5939-9CEABC6AE186}"/>
+              </a:ext>
+            </a:extLst>
+          </p:cNvPr>
+          <p:cNvPicPr>
+            <a:picLocks noChangeAspect="1"/>
+          </p:cNvPicPr>
+          <p:nvPr/>
+        </p:nvPicPr>
+        <p:blipFill>
+          <a:blip r:embed="rId8"/>
+          <a:stretch>
+            <a:fillRect/>
+          </a:stretch>
+        </p:blipFill>
+        <p:spPr>
+          <a:xfrm>
+            <a:off x="20027751" y="20177749"/>
+            <a:ext cx="4547240" cy="3480528"/>
+          </a:xfrm>
+          <a:prstGeom prst="rect">
+            <a:avLst/>
+          </a:prstGeom>
+        </p:spPr>
+      </p:pic>
+      <p:pic>
+        <p:nvPicPr>
+          <p:cNvPr id="30" name="図 29" descr="グラフ, 折れ線グラフ&#10;&#10;AI 生成コンテンツは誤りを含む可能性があります。">
+            <a:extLst>
+              <a:ext uri="{FF2B5EF4-FFF2-40B4-BE49-F238E27FC236}">
+                <a16:creationId xmlns:a16="http://schemas.microsoft.com/office/drawing/2014/main" id="{03EC1882-3158-0DAD-1939-017C7CFAD7E0}"/>
+              </a:ext>
+            </a:extLst>
+          </p:cNvPr>
+          <p:cNvPicPr>
+            <a:picLocks noChangeAspect="1"/>
+          </p:cNvPicPr>
+          <p:nvPr/>
+        </p:nvPicPr>
+        <p:blipFill>
+          <a:blip r:embed="rId9"/>
+          <a:stretch>
+            <a:fillRect/>
+          </a:stretch>
+        </p:blipFill>
+        <p:spPr>
+          <a:xfrm>
+            <a:off x="24814188" y="20177749"/>
+            <a:ext cx="4492380" cy="3480528"/>
+          </a:xfrm>
+          <a:prstGeom prst="rect">
+            <a:avLst/>
+          </a:prstGeom>
+        </p:spPr>
+      </p:pic>
+      <p:pic>
+        <p:nvPicPr>
+          <p:cNvPr id="31" name="図 30" descr="グラフ&#10;&#10;AI 生成コンテンツは誤りを含む可能性があります。">
+            <a:extLst>
+              <a:ext uri="{FF2B5EF4-FFF2-40B4-BE49-F238E27FC236}">
+                <a16:creationId xmlns:a16="http://schemas.microsoft.com/office/drawing/2014/main" id="{D42AB961-A66F-9394-4A60-AE55D22F96B1}"/>
+              </a:ext>
+            </a:extLst>
+          </p:cNvPr>
+          <p:cNvPicPr>
+            <a:picLocks noChangeAspect="1"/>
+          </p:cNvPicPr>
+          <p:nvPr/>
+        </p:nvPicPr>
+        <p:blipFill>
+          <a:blip r:embed="rId5"/>
+          <a:stretch>
+            <a:fillRect/>
+          </a:stretch>
+        </p:blipFill>
+        <p:spPr>
+          <a:xfrm>
+            <a:off x="15468607" y="26583482"/>
+            <a:ext cx="4486285" cy="3480528"/>
+          </a:xfrm>
+          <a:prstGeom prst="rect">
+            <a:avLst/>
+          </a:prstGeom>
+        </p:spPr>
+      </p:pic>
+      <p:pic>
+        <p:nvPicPr>
+          <p:cNvPr id="32" name="図 31" descr="グラフ, 折れ線グラフ&#10;&#10;AI 生成コンテンツは誤りを含む可能性があります。">
+            <a:extLst>
+              <a:ext uri="{FF2B5EF4-FFF2-40B4-BE49-F238E27FC236}">
+                <a16:creationId xmlns:a16="http://schemas.microsoft.com/office/drawing/2014/main" id="{2D6FFA7E-F499-9123-926D-F2C5239E2D97}"/>
+              </a:ext>
+            </a:extLst>
+          </p:cNvPr>
+          <p:cNvPicPr>
+            <a:picLocks noChangeAspect="1"/>
+          </p:cNvPicPr>
+          <p:nvPr/>
+        </p:nvPicPr>
+        <p:blipFill>
+          <a:blip r:embed="rId6"/>
+          <a:stretch>
+            <a:fillRect/>
+          </a:stretch>
+        </p:blipFill>
+        <p:spPr>
+          <a:xfrm>
+            <a:off x="19954892" y="26531109"/>
+            <a:ext cx="4431426" cy="3578056"/>
+          </a:xfrm>
+          <a:prstGeom prst="rect">
+            <a:avLst/>
+          </a:prstGeom>
+        </p:spPr>
+      </p:pic>
+      <p:pic>
+        <p:nvPicPr>
+          <p:cNvPr id="33" name="図 32" descr="グラフ&#10;&#10;AI 生成コンテンツは誤りを含む可能性があります。">
+            <a:extLst>
+              <a:ext uri="{FF2B5EF4-FFF2-40B4-BE49-F238E27FC236}">
+                <a16:creationId xmlns:a16="http://schemas.microsoft.com/office/drawing/2014/main" id="{DEB89441-E22F-05B7-8140-2F2404902988}"/>
+              </a:ext>
+            </a:extLst>
+          </p:cNvPr>
+          <p:cNvPicPr>
+            <a:picLocks noChangeAspect="1"/>
+          </p:cNvPicPr>
+          <p:nvPr/>
+        </p:nvPicPr>
+        <p:blipFill>
+          <a:blip r:embed="rId7"/>
+          <a:stretch>
+            <a:fillRect/>
+          </a:stretch>
+        </p:blipFill>
+        <p:spPr>
+          <a:xfrm>
+            <a:off x="15468607" y="30468433"/>
+            <a:ext cx="4547240" cy="3480528"/>
+          </a:xfrm>
+          <a:prstGeom prst="rect">
+            <a:avLst/>
+          </a:prstGeom>
+        </p:spPr>
+      </p:pic>
+      <p:pic>
+        <p:nvPicPr>
+          <p:cNvPr id="34" name="図 33" descr="グラフ, 折れ線グラフ, ヒストグラム&#10;&#10;AI 生成コンテンツは誤りを含む可能性があります。">
+            <a:extLst>
+              <a:ext uri="{FF2B5EF4-FFF2-40B4-BE49-F238E27FC236}">
+                <a16:creationId xmlns:a16="http://schemas.microsoft.com/office/drawing/2014/main" id="{217F0CAD-C8A5-8FDB-B476-D17390DA8161}"/>
+              </a:ext>
+            </a:extLst>
+          </p:cNvPr>
+          <p:cNvPicPr>
+            <a:picLocks noChangeAspect="1"/>
+          </p:cNvPicPr>
+          <p:nvPr/>
+        </p:nvPicPr>
+        <p:blipFill>
+          <a:blip r:embed="rId8"/>
+          <a:stretch>
+            <a:fillRect/>
+          </a:stretch>
+        </p:blipFill>
+        <p:spPr>
+          <a:xfrm>
+            <a:off x="20027751" y="30468433"/>
+            <a:ext cx="4547240" cy="3480528"/>
+          </a:xfrm>
+          <a:prstGeom prst="rect">
+            <a:avLst/>
+          </a:prstGeom>
+        </p:spPr>
+      </p:pic>
+      <p:pic>
+        <p:nvPicPr>
+          <p:cNvPr id="35" name="図 34" descr="グラフ, 折れ線グラフ&#10;&#10;AI 生成コンテンツは誤りを含む可能性があります。">
+            <a:extLst>
+              <a:ext uri="{FF2B5EF4-FFF2-40B4-BE49-F238E27FC236}">
+                <a16:creationId xmlns:a16="http://schemas.microsoft.com/office/drawing/2014/main" id="{7E0B9553-6396-2D26-D8DB-9D36DEF8DE85}"/>
+              </a:ext>
+            </a:extLst>
+          </p:cNvPr>
+          <p:cNvPicPr>
+            <a:picLocks noChangeAspect="1"/>
+          </p:cNvPicPr>
+          <p:nvPr/>
+        </p:nvPicPr>
+        <p:blipFill>
+          <a:blip r:embed="rId9"/>
+          <a:stretch>
+            <a:fillRect/>
+          </a:stretch>
+        </p:blipFill>
+        <p:spPr>
+          <a:xfrm>
+            <a:off x="24814188" y="30468433"/>
+            <a:ext cx="4492380" cy="3480528"/>
+          </a:xfrm>
+          <a:prstGeom prst="rect">
+            <a:avLst/>
+          </a:prstGeom>
+        </p:spPr>
+      </p:pic>
+      <p:pic>
+        <p:nvPicPr>
+          <p:cNvPr id="41" name="図 40">
+            <a:extLst>
+              <a:ext uri="{FF2B5EF4-FFF2-40B4-BE49-F238E27FC236}">
+                <a16:creationId xmlns:a16="http://schemas.microsoft.com/office/drawing/2014/main" id="{15E3B91A-EC05-B48D-A202-4FC98C28C61E}"/>
+              </a:ext>
+            </a:extLst>
+          </p:cNvPr>
+          <p:cNvPicPr>
+            <a:picLocks noChangeAspect="1"/>
+          </p:cNvPicPr>
+          <p:nvPr/>
+        </p:nvPicPr>
+        <p:blipFill>
+          <a:blip r:embed="rId10"/>
+          <a:stretch>
+            <a:fillRect/>
+          </a:stretch>
+        </p:blipFill>
+        <p:spPr>
+          <a:xfrm>
+            <a:off x="15998980" y="24708302"/>
+            <a:ext cx="12648776" cy="1235171"/>
+          </a:xfrm>
+          <a:prstGeom prst="rect">
+            <a:avLst/>
+          </a:prstGeom>
+        </p:spPr>
+      </p:pic>
+      <p:pic>
+        <p:nvPicPr>
+          <p:cNvPr id="43" name="図 42">
+            <a:extLst>
+              <a:ext uri="{FF2B5EF4-FFF2-40B4-BE49-F238E27FC236}">
+                <a16:creationId xmlns:a16="http://schemas.microsoft.com/office/drawing/2014/main" id="{E9C0DF54-C28C-FC43-7C37-CE2ADC64E31D}"/>
+              </a:ext>
+            </a:extLst>
+          </p:cNvPr>
+          <p:cNvPicPr>
+            <a:picLocks noChangeAspect="1"/>
+          </p:cNvPicPr>
+          <p:nvPr/>
+        </p:nvPicPr>
+        <p:blipFill>
+          <a:blip r:embed="rId11"/>
+          <a:stretch>
+            <a:fillRect/>
+          </a:stretch>
+        </p:blipFill>
+        <p:spPr>
+          <a:xfrm>
+            <a:off x="15845114" y="35185356"/>
+            <a:ext cx="12797011" cy="1249646"/>
+          </a:xfrm>
+          <a:prstGeom prst="rect">
+            <a:avLst/>
+          </a:prstGeom>
+        </p:spPr>
+      </p:pic>
+      <p:sp>
+        <p:nvSpPr>
+          <p:cNvPr id="44" name="テキスト ボックス 43">
+            <a:extLst>
+              <a:ext uri="{FF2B5EF4-FFF2-40B4-BE49-F238E27FC236}">
+                <a16:creationId xmlns:a16="http://schemas.microsoft.com/office/drawing/2014/main" id="{A501E8F5-7268-651E-7B85-E4CA79E853FC}"/>
+              </a:ext>
+            </a:extLst>
+          </p:cNvPr>
+          <p:cNvSpPr txBox="1">
+            <a:spLocks/>
+          </p:cNvSpPr>
+          <p:nvPr/>
+        </p:nvSpPr>
+        <p:spPr>
+          <a:xfrm>
+            <a:off x="1775447" y="38585806"/>
+            <a:ext cx="1960271" cy="923330"/>
+          </a:xfrm>
+          <a:prstGeom prst="rect">
+            <a:avLst/>
+          </a:prstGeom>
+          <a:noFill/>
+        </p:spPr>
+        <p:txBody>
+          <a:bodyPr wrap="square" rtlCol="0">
+            <a:spAutoFit/>
+          </a:bodyPr>
+          <a:lstStyle/>
+          <a:p>
+            <a:r>
+              <a:rPr lang="ja-JP" altLang="en-US" sz="5400" b="1" dirty="0">
+                <a:solidFill>
+                  <a:schemeClr val="tx2">
+                    <a:lumMod val="90000"/>
+                    <a:lumOff val="10000"/>
+                  </a:schemeClr>
+                </a:solidFill>
+                <a:latin typeface="メイリオ" panose="020B0604030504040204" pitchFamily="50" charset="-128"/>
+                <a:ea typeface="メイリオ" panose="020B0604030504040204" pitchFamily="50" charset="-128"/>
+              </a:rPr>
+              <a:t>結論</a:t>
+            </a:r>
+            <a:endParaRPr lang="en-US" altLang="ja-JP" sz="5400" b="1" dirty="0">
+              <a:solidFill>
+                <a:schemeClr val="tx2">
+                  <a:lumMod val="90000"/>
+                  <a:lumOff val="10000"/>
+                </a:schemeClr>
+              </a:solidFill>
+              <a:latin typeface="メイリオ" panose="020B0604030504040204" pitchFamily="50" charset="-128"/>
+              <a:ea typeface="メイリオ" panose="020B0604030504040204" pitchFamily="50" charset="-128"/>
+            </a:endParaRPr>
+          </a:p>
+        </p:txBody>
+      </p:sp>
+      <p:sp>
+        <p:nvSpPr>
+          <p:cNvPr id="45" name="テキスト ボックス 44">
+            <a:extLst>
+              <a:ext uri="{FF2B5EF4-FFF2-40B4-BE49-F238E27FC236}">
+                <a16:creationId xmlns:a16="http://schemas.microsoft.com/office/drawing/2014/main" id="{ECDD936A-3DD0-7229-20D2-7EDCEB980C74}"/>
+              </a:ext>
+            </a:extLst>
+          </p:cNvPr>
+          <p:cNvSpPr txBox="1"/>
+          <p:nvPr/>
+        </p:nvSpPr>
+        <p:spPr>
+          <a:xfrm>
+            <a:off x="1655280" y="39390926"/>
+            <a:ext cx="26906498" cy="1569660"/>
+          </a:xfrm>
+          <a:prstGeom prst="rect">
+            <a:avLst/>
+          </a:prstGeom>
+          <a:noFill/>
+        </p:spPr>
+        <p:txBody>
+          <a:bodyPr wrap="square" rtlCol="0">
+            <a:spAutoFit/>
+          </a:bodyPr>
+          <a:lstStyle/>
+          <a:p>
+            <a:r>
+              <a:rPr kumimoji="1" lang="ja-JP" altLang="en-US" sz="3200" dirty="0">
+                <a:latin typeface="メイリオ" panose="020B0604030504040204" pitchFamily="50" charset="-128"/>
+                <a:ea typeface="メイリオ" panose="020B0604030504040204" pitchFamily="50" charset="-128"/>
+              </a:rPr>
+              <a:t>本研究では，新たに提案されたグルコース</a:t>
+            </a:r>
+            <a:r>
+              <a:rPr kumimoji="1" lang="en-US" altLang="ja-JP" sz="3200" dirty="0">
+                <a:latin typeface="メイリオ" panose="020B0604030504040204" pitchFamily="50" charset="-128"/>
+                <a:ea typeface="メイリオ" panose="020B0604030504040204" pitchFamily="50" charset="-128"/>
+              </a:rPr>
+              <a:t>-</a:t>
+            </a:r>
+            <a:r>
+              <a:rPr kumimoji="1" lang="ja-JP" altLang="en-US" sz="3200" dirty="0">
+                <a:latin typeface="メイリオ" panose="020B0604030504040204" pitchFamily="50" charset="-128"/>
+                <a:ea typeface="メイリオ" panose="020B0604030504040204" pitchFamily="50" charset="-128"/>
+              </a:rPr>
+              <a:t>インスリン動態切り換えモデルである</a:t>
+            </a:r>
+            <a:r>
+              <a:rPr kumimoji="1" lang="en-US" altLang="ja-JP" sz="3200" dirty="0">
+                <a:latin typeface="メイリオ" panose="020B0604030504040204" pitchFamily="50" charset="-128"/>
+                <a:ea typeface="メイリオ" panose="020B0604030504040204" pitchFamily="50" charset="-128"/>
+              </a:rPr>
+              <a:t>SSOGMM</a:t>
+            </a:r>
+            <a:r>
+              <a:rPr kumimoji="1" lang="ja-JP" altLang="en-US" sz="3200" dirty="0">
+                <a:latin typeface="メイリオ" panose="020B0604030504040204" pitchFamily="50" charset="-128"/>
+                <a:ea typeface="メイリオ" panose="020B0604030504040204" pitchFamily="50" charset="-128"/>
+              </a:rPr>
+              <a:t>を用いて，観測可能なデータ</a:t>
+            </a:r>
+            <a:r>
+              <a:rPr kumimoji="1" lang="en-US" altLang="ja-JP" sz="3200" dirty="0">
+                <a:latin typeface="メイリオ" panose="020B0604030504040204" pitchFamily="50" charset="-128"/>
+                <a:ea typeface="メイリオ" panose="020B0604030504040204" pitchFamily="50" charset="-128"/>
+              </a:rPr>
+              <a:t>(</a:t>
+            </a:r>
+            <a:r>
+              <a:rPr kumimoji="1" lang="ja-JP" altLang="en-US" sz="3200" dirty="0">
+                <a:latin typeface="メイリオ" panose="020B0604030504040204" pitchFamily="50" charset="-128"/>
+                <a:ea typeface="メイリオ" panose="020B0604030504040204" pitchFamily="50" charset="-128"/>
+              </a:rPr>
+              <a:t>血糖値，インスリン，食事データ</a:t>
+            </a:r>
+            <a:r>
+              <a:rPr kumimoji="1" lang="en-US" altLang="ja-JP" sz="3200" dirty="0">
+                <a:latin typeface="メイリオ" panose="020B0604030504040204" pitchFamily="50" charset="-128"/>
+                <a:ea typeface="メイリオ" panose="020B0604030504040204" pitchFamily="50" charset="-128"/>
+              </a:rPr>
+              <a:t>)</a:t>
+            </a:r>
+            <a:r>
+              <a:rPr kumimoji="1" lang="ja-JP" altLang="en-US" sz="3200" dirty="0">
+                <a:latin typeface="メイリオ" panose="020B0604030504040204" pitchFamily="50" charset="-128"/>
+                <a:ea typeface="メイリオ" panose="020B0604030504040204" pitchFamily="50" charset="-128"/>
+              </a:rPr>
+              <a:t>のみから状態推定を行った。状態推定の数値実験より，。。。現状では，拡張カルマンフィルタを用いるほうがよく推定できることを示した．ただし，本実験では条件を簡略化しており，また観測値に含まれるノイズを考慮していない．現実的な問題設定への拡張が必要である．</a:t>
+            </a:r>
+            <a:endParaRPr kumimoji="1" lang="en-US" altLang="ja-JP" sz="3200" dirty="0">
+              <a:latin typeface="メイリオ" panose="020B0604030504040204" pitchFamily="50" charset="-128"/>
+              <a:ea typeface="メイリオ" panose="020B0604030504040204" pitchFamily="50" charset="-128"/>
+            </a:endParaRPr>
+          </a:p>
+        </p:txBody>
+      </p:sp>
+      <p:sp>
+        <p:nvSpPr>
+          <p:cNvPr id="46" name="テキスト ボックス 45">
+            <a:extLst>
+              <a:ext uri="{FF2B5EF4-FFF2-40B4-BE49-F238E27FC236}">
+                <a16:creationId xmlns:a16="http://schemas.microsoft.com/office/drawing/2014/main" id="{06FA5FDE-6412-805B-C3E6-28DF8BA0005D}"/>
+              </a:ext>
+            </a:extLst>
+          </p:cNvPr>
+          <p:cNvSpPr txBox="1"/>
+          <p:nvPr/>
+        </p:nvSpPr>
+        <p:spPr>
+          <a:xfrm>
+            <a:off x="1655280" y="31112075"/>
+            <a:ext cx="12392526" cy="2185214"/>
+          </a:xfrm>
+          <a:prstGeom prst="rect">
+            <a:avLst/>
+          </a:prstGeom>
+          <a:noFill/>
+        </p:spPr>
+        <p:txBody>
+          <a:bodyPr wrap="square" rtlCol="0">
+            <a:spAutoFit/>
+          </a:bodyPr>
+          <a:lstStyle/>
+          <a:p>
+            <a:pPr marL="457200" indent="-457200">
+              <a:buFont typeface="Wingdings" panose="05000000000000000000" pitchFamily="2" charset="2"/>
+              <a:buChar char="n"/>
+            </a:pPr>
+            <a:r>
+              <a:rPr kumimoji="1" lang="ja-JP" altLang="en-US" sz="3600" b="1" dirty="0">
+                <a:latin typeface="メイリオ" panose="020B0604030504040204" pitchFamily="50" charset="-128"/>
+                <a:ea typeface="メイリオ" panose="020B0604030504040204" pitchFamily="50" charset="-128"/>
+              </a:rPr>
+              <a:t>オブザーバ</a:t>
+            </a:r>
+            <a:endParaRPr kumimoji="1" lang="en-US" altLang="ja-JP" sz="3600" b="1" dirty="0">
+              <a:latin typeface="メイリオ" panose="020B0604030504040204" pitchFamily="50" charset="-128"/>
+              <a:ea typeface="メイリオ" panose="020B0604030504040204" pitchFamily="50" charset="-128"/>
+            </a:endParaRPr>
+          </a:p>
+          <a:p>
+            <a:r>
+              <a:rPr lang="ja-JP" altLang="en-US" sz="3600" dirty="0">
+                <a:latin typeface="メイリオ" panose="020B0604030504040204" pitchFamily="50" charset="-128"/>
+                <a:ea typeface="メイリオ" panose="020B0604030504040204" pitchFamily="50" charset="-128"/>
+              </a:rPr>
+              <a:t>　</a:t>
+            </a:r>
+            <a:r>
+              <a:rPr lang="en-US" altLang="ja-JP" sz="3200" dirty="0">
+                <a:latin typeface="メイリオ" panose="020B0604030504040204" pitchFamily="50" charset="-128"/>
+                <a:ea typeface="メイリオ" panose="020B0604030504040204" pitchFamily="50" charset="-128"/>
+              </a:rPr>
+              <a:t>SSOGMM</a:t>
+            </a:r>
+            <a:r>
+              <a:rPr lang="ja-JP" altLang="en-US" sz="3200" dirty="0">
+                <a:latin typeface="メイリオ" panose="020B0604030504040204" pitchFamily="50" charset="-128"/>
+                <a:ea typeface="メイリオ" panose="020B0604030504040204" pitchFamily="50" charset="-128"/>
+              </a:rPr>
+              <a:t>を平衡点を空腹状態かつ定常インスリンが投与されている状態として線形近似する．</a:t>
+            </a:r>
+            <a:endParaRPr lang="en-US" altLang="ja-JP" sz="3200" dirty="0">
+              <a:latin typeface="メイリオ" panose="020B0604030504040204" pitchFamily="50" charset="-128"/>
+              <a:ea typeface="メイリオ" panose="020B0604030504040204" pitchFamily="50" charset="-128"/>
+            </a:endParaRPr>
+          </a:p>
+          <a:p>
+            <a:r>
+              <a:rPr kumimoji="1" lang="ja-JP" altLang="en-US" sz="3200" dirty="0">
+                <a:latin typeface="メイリオ" panose="020B0604030504040204" pitchFamily="50" charset="-128"/>
+                <a:ea typeface="メイリオ" panose="020B0604030504040204" pitchFamily="50" charset="-128"/>
+              </a:rPr>
+              <a:t>　</a:t>
+            </a:r>
+            <a:r>
+              <a:rPr kumimoji="1" lang="en-US" altLang="ja-JP" sz="3200" dirty="0">
+                <a:latin typeface="メイリオ" panose="020B0604030504040204" pitchFamily="50" charset="-128"/>
+                <a:ea typeface="メイリオ" panose="020B0604030504040204" pitchFamily="50" charset="-128"/>
+              </a:rPr>
+              <a:t>0</a:t>
+            </a:r>
+            <a:r>
+              <a:rPr kumimoji="1" lang="ja-JP" altLang="en-US" sz="3200" dirty="0">
+                <a:latin typeface="メイリオ" panose="020B0604030504040204" pitchFamily="50" charset="-128"/>
+                <a:ea typeface="メイリオ" panose="020B0604030504040204" pitchFamily="50" charset="-128"/>
+              </a:rPr>
+              <a:t>次ホールド法を用いて離散化する</a:t>
+            </a:r>
+            <a:r>
+              <a:rPr lang="ja-JP" altLang="en-US" sz="3200" dirty="0">
+                <a:latin typeface="メイリオ" panose="020B0604030504040204" pitchFamily="50" charset="-128"/>
+                <a:ea typeface="メイリオ" panose="020B0604030504040204" pitchFamily="50" charset="-128"/>
+              </a:rPr>
+              <a:t>．</a:t>
+            </a:r>
+            <a:endParaRPr kumimoji="1" lang="ja-JP" altLang="en-US" sz="3200" dirty="0">
+              <a:latin typeface="メイリオ" panose="020B0604030504040204" pitchFamily="50" charset="-128"/>
+              <a:ea typeface="メイリオ" panose="020B0604030504040204" pitchFamily="50" charset="-128"/>
+            </a:endParaRPr>
+          </a:p>
+        </p:txBody>
+      </p:sp>
+      <p:sp>
+        <p:nvSpPr>
+          <p:cNvPr id="47" name="テキスト ボックス 46">
+            <a:extLst>
+              <a:ext uri="{FF2B5EF4-FFF2-40B4-BE49-F238E27FC236}">
+                <a16:creationId xmlns:a16="http://schemas.microsoft.com/office/drawing/2014/main" id="{1F2EB610-0440-5C35-BFBA-C8D2013EB5A5}"/>
+              </a:ext>
+            </a:extLst>
+          </p:cNvPr>
+          <p:cNvSpPr txBox="1"/>
+          <p:nvPr/>
+        </p:nvSpPr>
+        <p:spPr>
+          <a:xfrm>
+            <a:off x="1655280" y="33353193"/>
+            <a:ext cx="12392526" cy="2185214"/>
+          </a:xfrm>
+          <a:prstGeom prst="rect">
+            <a:avLst/>
+          </a:prstGeom>
+          <a:noFill/>
+        </p:spPr>
+        <p:txBody>
+          <a:bodyPr wrap="square" rtlCol="0">
+            <a:spAutoFit/>
+          </a:bodyPr>
+          <a:lstStyle/>
+          <a:p>
+            <a:pPr marL="457200" indent="-457200">
+              <a:buFont typeface="Wingdings" panose="05000000000000000000" pitchFamily="2" charset="2"/>
+              <a:buChar char="n"/>
+            </a:pPr>
+            <a:r>
+              <a:rPr lang="ja-JP" altLang="en-US" sz="3600" b="1" dirty="0">
+                <a:latin typeface="メイリオ" panose="020B0604030504040204" pitchFamily="50" charset="-128"/>
+                <a:ea typeface="メイリオ" panose="020B0604030504040204" pitchFamily="50" charset="-128"/>
+              </a:rPr>
+              <a:t>拡張カルマンフィルタ</a:t>
+            </a:r>
+            <a:r>
+              <a:rPr lang="en-US" altLang="ja-JP" sz="3600" b="1" dirty="0">
+                <a:latin typeface="メイリオ" panose="020B0604030504040204" pitchFamily="50" charset="-128"/>
+                <a:ea typeface="メイリオ" panose="020B0604030504040204" pitchFamily="50" charset="-128"/>
+              </a:rPr>
+              <a:t>(EKF)</a:t>
+            </a:r>
+          </a:p>
+          <a:p>
+            <a:r>
+              <a:rPr kumimoji="1" lang="ja-JP" altLang="en-US" sz="3600" dirty="0">
+                <a:latin typeface="メイリオ" panose="020B0604030504040204" pitchFamily="50" charset="-128"/>
+                <a:ea typeface="メイリオ" panose="020B0604030504040204" pitchFamily="50" charset="-128"/>
+              </a:rPr>
+              <a:t>　</a:t>
+            </a:r>
+            <a:r>
+              <a:rPr kumimoji="1" lang="en-US" altLang="ja-JP" sz="3600" dirty="0">
+                <a:latin typeface="メイリオ" panose="020B0604030504040204" pitchFamily="50" charset="-128"/>
+                <a:ea typeface="メイリオ" panose="020B0604030504040204" pitchFamily="50" charset="-128"/>
+              </a:rPr>
+              <a:t>SSOGMM</a:t>
+            </a:r>
+            <a:r>
+              <a:rPr kumimoji="1" lang="ja-JP" altLang="en-US" sz="3600" dirty="0">
+                <a:latin typeface="メイリオ" panose="020B0604030504040204" pitchFamily="50" charset="-128"/>
+                <a:ea typeface="メイリオ" panose="020B0604030504040204" pitchFamily="50" charset="-128"/>
+              </a:rPr>
+              <a:t>の内線形で表さる式に関しては，</a:t>
+            </a:r>
+            <a:r>
+              <a:rPr lang="en-US" altLang="ja-JP" sz="3200" dirty="0">
+                <a:latin typeface="メイリオ" panose="020B0604030504040204" pitchFamily="50" charset="-128"/>
+                <a:ea typeface="メイリオ" panose="020B0604030504040204" pitchFamily="50" charset="-128"/>
+              </a:rPr>
+              <a:t>0</a:t>
+            </a:r>
+            <a:r>
+              <a:rPr lang="ja-JP" altLang="en-US" sz="3200" dirty="0">
+                <a:latin typeface="メイリオ" panose="020B0604030504040204" pitchFamily="50" charset="-128"/>
+                <a:ea typeface="メイリオ" panose="020B0604030504040204" pitchFamily="50" charset="-128"/>
+              </a:rPr>
+              <a:t>次ホールド法を用いて離散化する．</a:t>
+            </a:r>
+            <a:endParaRPr lang="en-US" altLang="ja-JP" sz="3200" dirty="0">
+              <a:latin typeface="メイリオ" panose="020B0604030504040204" pitchFamily="50" charset="-128"/>
+              <a:ea typeface="メイリオ" panose="020B0604030504040204" pitchFamily="50" charset="-128"/>
+            </a:endParaRPr>
+          </a:p>
+          <a:p>
+            <a:r>
+              <a:rPr kumimoji="1" lang="ja-JP" altLang="en-US" sz="3200" dirty="0">
+                <a:latin typeface="メイリオ" panose="020B0604030504040204" pitchFamily="50" charset="-128"/>
+                <a:ea typeface="メイリオ" panose="020B0604030504040204" pitchFamily="50" charset="-128"/>
+              </a:rPr>
+              <a:t>　非線形な式は前進オイラー法で離散化する．</a:t>
+            </a:r>
+          </a:p>
+        </p:txBody>
+      </p:sp>
     </p:spTree>
     <p:extLst>
       <p:ext uri="{BB962C8B-B14F-4D97-AF65-F5344CB8AC3E}">

--- a/poster.pptx
+++ b/poster.pptx
@@ -408,7 +408,7 @@
           <a:p>
             <a:fld id="{66AD0D6B-84F8-0A45-ADC1-3C71FDF4AF14}" type="datetimeFigureOut">
               <a:rPr lang="en-JP" smtClean="0"/>
-              <a:t>10/24/2025</a:t>
+              <a:t>10/24/25</a:t>
             </a:fld>
             <a:endParaRPr lang="en-JP"/>
           </a:p>
@@ -824,7 +824,7 @@
           <a:p>
             <a:fld id="{349FECF2-E9B2-44FB-B3C1-6F1ABD30BEDF}" type="datetime1">
               <a:rPr lang="LID4096" altLang="ja-JP" smtClean="0"/>
-              <a:t>10/24/2025</a:t>
+              <a:t>10/24/25</a:t>
             </a:fld>
             <a:endParaRPr lang="en-JP"/>
           </a:p>
@@ -1054,7 +1054,7 @@
           <a:p>
             <a:fld id="{E1716868-4E8C-4E9E-B32E-86466688C38E}" type="datetime1">
               <a:rPr lang="LID4096" altLang="ja-JP" smtClean="0"/>
-              <a:t>10/24/2025</a:t>
+              <a:t>10/24/25</a:t>
             </a:fld>
             <a:endParaRPr lang="en-JP"/>
           </a:p>
@@ -1294,7 +1294,7 @@
           <a:p>
             <a:fld id="{02619D8D-BF18-40AE-BFF4-DB66FCFC9271}" type="datetime1">
               <a:rPr lang="LID4096" altLang="ja-JP" smtClean="0"/>
-              <a:t>10/24/2025</a:t>
+              <a:t>10/24/25</a:t>
             </a:fld>
             <a:endParaRPr lang="en-JP"/>
           </a:p>
@@ -1524,7 +1524,7 @@
           <a:p>
             <a:fld id="{09202299-8DBC-4245-87C6-3E62A2ACA6A6}" type="datetime1">
               <a:rPr lang="LID4096" altLang="ja-JP" smtClean="0"/>
-              <a:t>10/24/2025</a:t>
+              <a:t>10/24/25</a:t>
             </a:fld>
             <a:endParaRPr lang="en-JP"/>
           </a:p>
@@ -1799,7 +1799,7 @@
           <a:p>
             <a:fld id="{39490C1E-006A-471F-A583-7AAA8224009B}" type="datetime1">
               <a:rPr lang="LID4096" altLang="ja-JP" smtClean="0"/>
-              <a:t>10/24/2025</a:t>
+              <a:t>10/24/25</a:t>
             </a:fld>
             <a:endParaRPr lang="en-JP"/>
           </a:p>
@@ -2128,7 +2128,7 @@
           <a:p>
             <a:fld id="{8F14F39A-FAA3-4B27-BC07-2AA343CBE051}" type="datetime1">
               <a:rPr lang="LID4096" altLang="ja-JP" smtClean="0"/>
-              <a:t>10/24/2025</a:t>
+              <a:t>10/24/25</a:t>
             </a:fld>
             <a:endParaRPr lang="en-JP"/>
           </a:p>
@@ -2604,7 +2604,7 @@
           <a:p>
             <a:fld id="{350AD22A-55F2-4547-A5CA-A5A999E6556D}" type="datetime1">
               <a:rPr lang="LID4096" altLang="ja-JP" smtClean="0"/>
-              <a:t>10/24/2025</a:t>
+              <a:t>10/24/25</a:t>
             </a:fld>
             <a:endParaRPr lang="en-JP"/>
           </a:p>
@@ -2745,7 +2745,7 @@
           <a:p>
             <a:fld id="{D1E7EEDF-E3BE-4535-8538-9CF15E9FEAAB}" type="datetime1">
               <a:rPr lang="LID4096" altLang="ja-JP" smtClean="0"/>
-              <a:t>10/24/2025</a:t>
+              <a:t>10/24/25</a:t>
             </a:fld>
             <a:endParaRPr lang="en-JP"/>
           </a:p>
@@ -2858,7 +2858,7 @@
           <a:p>
             <a:fld id="{C90845DA-CECE-4290-9A52-6E01FD60E4F0}" type="datetime1">
               <a:rPr lang="LID4096" altLang="ja-JP" smtClean="0"/>
-              <a:t>10/24/2025</a:t>
+              <a:t>10/24/25</a:t>
             </a:fld>
             <a:endParaRPr lang="en-JP"/>
           </a:p>
@@ -3201,7 +3201,7 @@
           <a:p>
             <a:fld id="{66506D8A-3A14-4426-A8F0-6A46E306C20B}" type="datetime1">
               <a:rPr lang="LID4096" altLang="ja-JP" smtClean="0"/>
-              <a:t>10/24/2025</a:t>
+              <a:t>10/24/25</a:t>
             </a:fld>
             <a:endParaRPr lang="en-JP"/>
           </a:p>
@@ -3489,7 +3489,7 @@
           <a:p>
             <a:fld id="{CE7E1F37-E86F-4380-AB65-0EB41FBEEA80}" type="datetime1">
               <a:rPr lang="LID4096" altLang="ja-JP" smtClean="0"/>
-              <a:t>10/24/2025</a:t>
+              <a:t>10/24/25</a:t>
             </a:fld>
             <a:endParaRPr lang="en-JP"/>
           </a:p>
@@ -3762,7 +3762,7 @@
           <a:p>
             <a:fld id="{1B4F68B4-EECE-4B65-B2C5-259CAB63F02A}" type="datetime1">
               <a:rPr lang="LID4096" altLang="ja-JP" smtClean="0"/>
-              <a:t>10/24/2025</a:t>
+              <a:t>10/24/25</a:t>
             </a:fld>
             <a:endParaRPr lang="en-JP"/>
           </a:p>
@@ -5005,7 +5005,7 @@
         </p:nvSpPr>
         <p:spPr>
           <a:xfrm>
-            <a:off x="15654865" y="11185395"/>
+            <a:off x="15654865" y="10985046"/>
             <a:ext cx="13651703" cy="27035092"/>
           </a:xfrm>
           <a:prstGeom prst="rect">
@@ -6339,7 +6339,7 @@
         </p:nvSpPr>
         <p:spPr>
           <a:xfrm>
-            <a:off x="15927719" y="11412000"/>
+            <a:off x="16011813" y="11412000"/>
             <a:ext cx="10666081" cy="923330"/>
           </a:xfrm>
           <a:prstGeom prst="rect">
@@ -6878,7 +6878,7 @@
         </p:nvSpPr>
         <p:spPr>
           <a:xfrm>
-            <a:off x="1655280" y="39390926"/>
+            <a:off x="1775447" y="39390925"/>
             <a:ext cx="26906498" cy="1569660"/>
           </a:xfrm>
           <a:prstGeom prst="rect">
@@ -6953,7 +6953,49 @@
                 <a:latin typeface="メイリオ" panose="020B0604030504040204" pitchFamily="50" charset="-128"/>
                 <a:ea typeface="メイリオ" panose="020B0604030504040204" pitchFamily="50" charset="-128"/>
               </a:rPr>
-              <a:t>のみから状態推定を行った。状態推定の数値実験より，。。。現状では，拡張カルマンフィルタを用いるほうがよく推定できることを示した．ただし，本実験では条件を簡略化しており，また観測値に含まれるノイズを考慮していない．現実的な問題設定への拡張が必要である．</a:t>
+              <a:t>のみから状態推定を行った。状態推定の数値</a:t>
+            </a:r>
+            <a:r>
+              <a:rPr kumimoji="1" lang="ja-JP" altLang="en-US" sz="3200">
+                <a:latin typeface="メイリオ" panose="020B0604030504040204" pitchFamily="50" charset="-128"/>
+                <a:ea typeface="メイリオ" panose="020B0604030504040204" pitchFamily="50" charset="-128"/>
+              </a:rPr>
+              <a:t>実験より，</a:t>
+            </a:r>
+            <a:r>
+              <a:rPr kumimoji="1" lang="ja-JP" altLang="en-US" sz="3200" dirty="0">
+                <a:latin typeface="メイリオ" panose="020B0604030504040204" pitchFamily="50" charset="-128"/>
+                <a:ea typeface="メイリオ" panose="020B0604030504040204" pitchFamily="50" charset="-128"/>
+              </a:rPr>
+              <a:t>拡張カルマンフィルタを用いるほうがよく推定できることを示した．ただし，本実験では条件を簡略化しており，また観測値に含まれるノイズを考慮して</a:t>
+            </a:r>
+            <a:r>
+              <a:rPr kumimoji="1" lang="ja-JP" altLang="en-US" sz="3200">
+                <a:latin typeface="メイリオ" panose="020B0604030504040204" pitchFamily="50" charset="-128"/>
+                <a:ea typeface="メイリオ" panose="020B0604030504040204" pitchFamily="50" charset="-128"/>
+              </a:rPr>
+              <a:t>いない．</a:t>
+            </a:r>
+            <a:r>
+              <a:rPr lang="ja-JP" altLang="en-US" sz="3200">
+                <a:latin typeface="メイリオ" panose="020B0604030504040204" pitchFamily="50" charset="-128"/>
+                <a:ea typeface="メイリオ" panose="020B0604030504040204" pitchFamily="50" charset="-128"/>
+              </a:rPr>
+              <a:t>より</a:t>
+            </a:r>
+            <a:r>
+              <a:rPr kumimoji="1" lang="ja-JP" altLang="en-US" sz="3200">
+                <a:latin typeface="メイリオ" panose="020B0604030504040204" pitchFamily="50" charset="-128"/>
+                <a:ea typeface="メイリオ" panose="020B0604030504040204" pitchFamily="50" charset="-128"/>
+              </a:rPr>
+              <a:t>現実的</a:t>
+            </a:r>
+            <a:r>
+              <a:rPr kumimoji="1" lang="ja-JP" altLang="en-US" sz="3200" dirty="0">
+                <a:latin typeface="メイリオ" panose="020B0604030504040204" pitchFamily="50" charset="-128"/>
+                <a:ea typeface="メイリオ" panose="020B0604030504040204" pitchFamily="50" charset="-128"/>
+              </a:rPr>
+              <a:t>な問題設定への拡張が必要である．</a:t>
             </a:r>
             <a:endParaRPr kumimoji="1" lang="en-US" altLang="ja-JP" sz="3200" dirty="0">
               <a:latin typeface="メイリオ" panose="020B0604030504040204" pitchFamily="50" charset="-128"/>
